--- a/2. Non-Linear Structure, Optimiztion,and Algorithm/5/5. DataStructure & Algorithm 2.pptx
+++ b/2. Non-Linear Structure, Optimiztion,and Algorithm/5/5. DataStructure & Algorithm 2.pptx
@@ -8,6 +8,14 @@
     <p:sldId id="256" r:id="rId2"/>
     <p:sldId id="284" r:id="rId3"/>
     <p:sldId id="287" r:id="rId4"/>
+    <p:sldId id="293" r:id="rId5"/>
+    <p:sldId id="294" r:id="rId6"/>
+    <p:sldId id="295" r:id="rId7"/>
+    <p:sldId id="288" r:id="rId8"/>
+    <p:sldId id="289" r:id="rId9"/>
+    <p:sldId id="290" r:id="rId10"/>
+    <p:sldId id="291" r:id="rId11"/>
+    <p:sldId id="292" r:id="rId12"/>
   </p:sldIdLst>
   <p:sldSz cx="12192000" cy="6858000"/>
   <p:notesSz cx="6858000" cy="9144000"/>
@@ -836,7 +844,7 @@
           <a:p>
             <a:fld id="{B6FB7DCD-5BA3-48A2-BE8C-591555253DD2}" type="datetimeFigureOut">
               <a:rPr lang="ko-KR" altLang="en-US" smtClean="0"/>
-              <a:t>2020-06-19</a:t>
+              <a:t>2020-06-21</a:t>
             </a:fld>
             <a:endParaRPr lang="ko-KR" altLang="en-US"/>
           </a:p>
@@ -1087,7 +1095,7 @@
           <a:p>
             <a:fld id="{B6FB7DCD-5BA3-48A2-BE8C-591555253DD2}" type="datetimeFigureOut">
               <a:rPr lang="ko-KR" altLang="en-US" smtClean="0"/>
-              <a:t>2020-06-19</a:t>
+              <a:t>2020-06-21</a:t>
             </a:fld>
             <a:endParaRPr lang="ko-KR" altLang="en-US"/>
           </a:p>
@@ -1401,7 +1409,7 @@
           <a:p>
             <a:fld id="{B6FB7DCD-5BA3-48A2-BE8C-591555253DD2}" type="datetimeFigureOut">
               <a:rPr lang="ko-KR" altLang="en-US" smtClean="0"/>
-              <a:t>2020-06-19</a:t>
+              <a:t>2020-06-21</a:t>
             </a:fld>
             <a:endParaRPr lang="ko-KR" altLang="en-US"/>
           </a:p>
@@ -1742,7 +1750,7 @@
           <a:p>
             <a:fld id="{B6FB7DCD-5BA3-48A2-BE8C-591555253DD2}" type="datetimeFigureOut">
               <a:rPr lang="ko-KR" altLang="en-US" smtClean="0"/>
-              <a:t>2020-06-19</a:t>
+              <a:t>2020-06-21</a:t>
             </a:fld>
             <a:endParaRPr lang="ko-KR" altLang="en-US"/>
           </a:p>
@@ -2056,7 +2064,7 @@
           <a:p>
             <a:fld id="{B6FB7DCD-5BA3-48A2-BE8C-591555253DD2}" type="datetimeFigureOut">
               <a:rPr lang="ko-KR" altLang="en-US" smtClean="0"/>
-              <a:t>2020-06-19</a:t>
+              <a:t>2020-06-21</a:t>
             </a:fld>
             <a:endParaRPr lang="ko-KR" altLang="en-US"/>
           </a:p>
@@ -2449,7 +2457,7 @@
           <a:p>
             <a:fld id="{B6FB7DCD-5BA3-48A2-BE8C-591555253DD2}" type="datetimeFigureOut">
               <a:rPr lang="ko-KR" altLang="en-US" smtClean="0"/>
-              <a:t>2020-06-19</a:t>
+              <a:t>2020-06-21</a:t>
             </a:fld>
             <a:endParaRPr lang="ko-KR" altLang="en-US"/>
           </a:p>
@@ -2619,7 +2627,7 @@
           <a:p>
             <a:fld id="{B6FB7DCD-5BA3-48A2-BE8C-591555253DD2}" type="datetimeFigureOut">
               <a:rPr lang="ko-KR" altLang="en-US" smtClean="0"/>
-              <a:t>2020-06-19</a:t>
+              <a:t>2020-06-21</a:t>
             </a:fld>
             <a:endParaRPr lang="ko-KR" altLang="en-US"/>
           </a:p>
@@ -2799,7 +2807,7 @@
           <a:p>
             <a:fld id="{B6FB7DCD-5BA3-48A2-BE8C-591555253DD2}" type="datetimeFigureOut">
               <a:rPr lang="ko-KR" altLang="en-US" smtClean="0"/>
-              <a:t>2020-06-19</a:t>
+              <a:t>2020-06-21</a:t>
             </a:fld>
             <a:endParaRPr lang="ko-KR" altLang="en-US"/>
           </a:p>
@@ -2975,7 +2983,7 @@
           <a:p>
             <a:fld id="{B6FB7DCD-5BA3-48A2-BE8C-591555253DD2}" type="datetimeFigureOut">
               <a:rPr lang="ko-KR" altLang="en-US" smtClean="0"/>
-              <a:t>2020-06-19</a:t>
+              <a:t>2020-06-21</a:t>
             </a:fld>
             <a:endParaRPr lang="ko-KR" altLang="en-US"/>
           </a:p>
@@ -3222,7 +3230,7 @@
           <a:p>
             <a:fld id="{B6FB7DCD-5BA3-48A2-BE8C-591555253DD2}" type="datetimeFigureOut">
               <a:rPr lang="ko-KR" altLang="en-US" smtClean="0"/>
-              <a:t>2020-06-19</a:t>
+              <a:t>2020-06-21</a:t>
             </a:fld>
             <a:endParaRPr lang="ko-KR" altLang="en-US"/>
           </a:p>
@@ -3454,7 +3462,7 @@
           <a:p>
             <a:fld id="{B6FB7DCD-5BA3-48A2-BE8C-591555253DD2}" type="datetimeFigureOut">
               <a:rPr lang="ko-KR" altLang="en-US" smtClean="0"/>
-              <a:t>2020-06-19</a:t>
+              <a:t>2020-06-21</a:t>
             </a:fld>
             <a:endParaRPr lang="ko-KR" altLang="en-US"/>
           </a:p>
@@ -3828,7 +3836,7 @@
           <a:p>
             <a:fld id="{B6FB7DCD-5BA3-48A2-BE8C-591555253DD2}" type="datetimeFigureOut">
               <a:rPr lang="ko-KR" altLang="en-US" smtClean="0"/>
-              <a:t>2020-06-19</a:t>
+              <a:t>2020-06-21</a:t>
             </a:fld>
             <a:endParaRPr lang="ko-KR" altLang="en-US"/>
           </a:p>
@@ -3951,7 +3959,7 @@
           <a:p>
             <a:fld id="{B6FB7DCD-5BA3-48A2-BE8C-591555253DD2}" type="datetimeFigureOut">
               <a:rPr lang="ko-KR" altLang="en-US" smtClean="0"/>
-              <a:t>2020-06-19</a:t>
+              <a:t>2020-06-21</a:t>
             </a:fld>
             <a:endParaRPr lang="ko-KR" altLang="en-US"/>
           </a:p>
@@ -4046,7 +4054,7 @@
           <a:p>
             <a:fld id="{B6FB7DCD-5BA3-48A2-BE8C-591555253DD2}" type="datetimeFigureOut">
               <a:rPr lang="ko-KR" altLang="en-US" smtClean="0"/>
-              <a:t>2020-06-19</a:t>
+              <a:t>2020-06-21</a:t>
             </a:fld>
             <a:endParaRPr lang="ko-KR" altLang="en-US"/>
           </a:p>
@@ -4301,7 +4309,7 @@
           <a:p>
             <a:fld id="{B6FB7DCD-5BA3-48A2-BE8C-591555253DD2}" type="datetimeFigureOut">
               <a:rPr lang="ko-KR" altLang="en-US" smtClean="0"/>
-              <a:t>2020-06-19</a:t>
+              <a:t>2020-06-21</a:t>
             </a:fld>
             <a:endParaRPr lang="ko-KR" altLang="en-US"/>
           </a:p>
@@ -4564,7 +4572,7 @@
           <a:p>
             <a:fld id="{B6FB7DCD-5BA3-48A2-BE8C-591555253DD2}" type="datetimeFigureOut">
               <a:rPr lang="ko-KR" altLang="en-US" smtClean="0"/>
-              <a:t>2020-06-19</a:t>
+              <a:t>2020-06-21</a:t>
             </a:fld>
             <a:endParaRPr lang="ko-KR" altLang="en-US"/>
           </a:p>
@@ -5307,7 +5315,7 @@
           <a:p>
             <a:fld id="{B6FB7DCD-5BA3-48A2-BE8C-591555253DD2}" type="datetimeFigureOut">
               <a:rPr lang="ko-KR" altLang="en-US" smtClean="0"/>
-              <a:t>2020-06-19</a:t>
+              <a:t>2020-06-21</a:t>
             </a:fld>
             <a:endParaRPr lang="ko-KR" altLang="en-US"/>
           </a:p>
@@ -5867,10 +5875,16 @@
         </p:nvSpPr>
         <p:spPr/>
         <p:txBody>
-          <a:bodyPr/>
+          <a:bodyPr>
+            <a:normAutofit/>
+          </a:bodyPr>
           <a:lstStyle/>
           <a:p>
-            <a:endParaRPr lang="ko-KR" altLang="en-US" dirty="0"/>
+            <a:r>
+              <a:rPr lang="en-US" altLang="ko-KR" sz="3200" dirty="0" smtClean="0"/>
+              <a:t>Graph</a:t>
+            </a:r>
+            <a:endParaRPr lang="ko-KR" altLang="en-US" sz="3200" dirty="0"/>
           </a:p>
         </p:txBody>
       </p:sp>
@@ -5878,6 +5892,596 @@
     <p:extLst>
       <p:ext uri="{BB962C8B-B14F-4D97-AF65-F5344CB8AC3E}">
         <p14:creationId xmlns:p14="http://schemas.microsoft.com/office/powerpoint/2010/main" val="392063682"/>
+      </p:ext>
+    </p:extLst>
+  </p:cSld>
+  <p:clrMapOvr>
+    <a:masterClrMapping/>
+  </p:clrMapOvr>
+</p:sld>
+</file>
+
+<file path=ppt/slides/slide10.xml><?xml version="1.0" encoding="utf-8"?>
+<p:sld xmlns:a="http://schemas.openxmlformats.org/drawingml/2006/main" xmlns:r="http://schemas.openxmlformats.org/officeDocument/2006/relationships" xmlns:p="http://schemas.openxmlformats.org/presentationml/2006/main">
+  <p:cSld>
+    <p:spTree>
+      <p:nvGrpSpPr>
+        <p:cNvPr id="1" name=""/>
+        <p:cNvGrpSpPr/>
+        <p:nvPr/>
+      </p:nvGrpSpPr>
+      <p:grpSpPr>
+        <a:xfrm>
+          <a:off x="0" y="0"/>
+          <a:ext cx="0" cy="0"/>
+          <a:chOff x="0" y="0"/>
+          <a:chExt cx="0" cy="0"/>
+        </a:xfrm>
+      </p:grpSpPr>
+      <p:sp>
+        <p:nvSpPr>
+          <p:cNvPr id="4" name="제목 1">
+            <a:extLst>
+              <a:ext uri="{FF2B5EF4-FFF2-40B4-BE49-F238E27FC236}">
+                <a16:creationId xmlns:a16="http://schemas.microsoft.com/office/drawing/2014/main" xmlns="" id="{824331F3-9831-4A24-AC95-4771B0BCE333}"/>
+              </a:ext>
+            </a:extLst>
+          </p:cNvPr>
+          <p:cNvSpPr txBox="1">
+            <a:spLocks/>
+          </p:cNvSpPr>
+          <p:nvPr/>
+        </p:nvSpPr>
+        <p:spPr>
+          <a:xfrm>
+            <a:off x="1307647" y="1180730"/>
+            <a:ext cx="8022783" cy="436518"/>
+          </a:xfrm>
+          <a:prstGeom prst="rect">
+            <a:avLst/>
+          </a:prstGeom>
+        </p:spPr>
+        <p:txBody>
+          <a:bodyPr vert="horz" lIns="91440" tIns="45720" rIns="91440" bIns="45720" rtlCol="0" anchor="t">
+            <a:normAutofit lnSpcReduction="10000"/>
+          </a:bodyPr>
+          <a:lstStyle>
+            <a:lvl1pPr algn="l" defTabSz="457200" rtl="0" eaLnBrk="1" latinLnBrk="1" hangingPunct="1">
+              <a:spcBef>
+                <a:spcPct val="0"/>
+              </a:spcBef>
+              <a:buNone/>
+              <a:defRPr sz="3600" kern="1200">
+                <a:solidFill>
+                  <a:schemeClr val="accent1"/>
+                </a:solidFill>
+                <a:latin typeface="+mj-lt"/>
+                <a:ea typeface="+mj-ea"/>
+                <a:cs typeface="+mj-cs"/>
+              </a:defRPr>
+            </a:lvl1pPr>
+            <a:lvl2pPr eaLnBrk="1" latinLnBrk="1" hangingPunct="1">
+              <a:defRPr>
+                <a:solidFill>
+                  <a:schemeClr val="tx2"/>
+                </a:solidFill>
+              </a:defRPr>
+            </a:lvl2pPr>
+            <a:lvl3pPr eaLnBrk="1" latinLnBrk="1" hangingPunct="1">
+              <a:defRPr>
+                <a:solidFill>
+                  <a:schemeClr val="tx2"/>
+                </a:solidFill>
+              </a:defRPr>
+            </a:lvl3pPr>
+            <a:lvl4pPr eaLnBrk="1" latinLnBrk="1" hangingPunct="1">
+              <a:defRPr>
+                <a:solidFill>
+                  <a:schemeClr val="tx2"/>
+                </a:solidFill>
+              </a:defRPr>
+            </a:lvl4pPr>
+            <a:lvl5pPr eaLnBrk="1" latinLnBrk="1" hangingPunct="1">
+              <a:defRPr>
+                <a:solidFill>
+                  <a:schemeClr val="tx2"/>
+                </a:solidFill>
+              </a:defRPr>
+            </a:lvl5pPr>
+            <a:lvl6pPr eaLnBrk="1" latinLnBrk="1" hangingPunct="1">
+              <a:defRPr>
+                <a:solidFill>
+                  <a:schemeClr val="tx2"/>
+                </a:solidFill>
+              </a:defRPr>
+            </a:lvl6pPr>
+            <a:lvl7pPr eaLnBrk="1" latinLnBrk="1" hangingPunct="1">
+              <a:defRPr>
+                <a:solidFill>
+                  <a:schemeClr val="tx2"/>
+                </a:solidFill>
+              </a:defRPr>
+            </a:lvl7pPr>
+            <a:lvl8pPr eaLnBrk="1" latinLnBrk="1" hangingPunct="1">
+              <a:defRPr>
+                <a:solidFill>
+                  <a:schemeClr val="tx2"/>
+                </a:solidFill>
+              </a:defRPr>
+            </a:lvl8pPr>
+            <a:lvl9pPr eaLnBrk="1" latinLnBrk="1" hangingPunct="1">
+              <a:defRPr>
+                <a:solidFill>
+                  <a:schemeClr val="tx2"/>
+                </a:solidFill>
+              </a:defRPr>
+            </a:lvl9pPr>
+          </a:lstStyle>
+          <a:p>
+            <a:r>
+              <a:rPr lang="en-US" altLang="ko-KR" sz="2400" dirty="0" err="1" smtClean="0"/>
+              <a:t>T</a:t>
+            </a:r>
+            <a:r>
+              <a:rPr lang="en-US" altLang="ko-KR" sz="2400" dirty="0" err="1" smtClean="0"/>
+              <a:t>sdafasdf</a:t>
+            </a:r>
+            <a:endParaRPr lang="en-US" altLang="ko-KR" sz="2400" dirty="0"/>
+          </a:p>
+        </p:txBody>
+      </p:sp>
+      <p:sp>
+        <p:nvSpPr>
+          <p:cNvPr id="6" name="직사각형 5">
+            <a:extLst>
+              <a:ext uri="{FF2B5EF4-FFF2-40B4-BE49-F238E27FC236}">
+                <a16:creationId xmlns:a16="http://schemas.microsoft.com/office/drawing/2014/main" xmlns="" id="{6A60F032-B172-43E0-B147-16329887DE8F}"/>
+              </a:ext>
+            </a:extLst>
+          </p:cNvPr>
+          <p:cNvSpPr/>
+          <p:nvPr/>
+        </p:nvSpPr>
+        <p:spPr>
+          <a:xfrm>
+            <a:off x="7620874" y="2196693"/>
+            <a:ext cx="4470512" cy="307777"/>
+          </a:xfrm>
+          <a:prstGeom prst="rect">
+            <a:avLst/>
+          </a:prstGeom>
+        </p:spPr>
+        <p:txBody>
+          <a:bodyPr wrap="square">
+            <a:spAutoFit/>
+          </a:bodyPr>
+          <a:lstStyle/>
+          <a:p>
+            <a:pPr marL="285750" indent="-285750">
+              <a:buFontTx/>
+              <a:buChar char="-"/>
+            </a:pPr>
+            <a:r>
+              <a:rPr lang="ko-KR" altLang="en-US" sz="1400" dirty="0" smtClean="0"/>
+              <a:t>내용</a:t>
+            </a:r>
+            <a:endParaRPr lang="ko-KR" altLang="en-US" sz="1400" dirty="0"/>
+          </a:p>
+        </p:txBody>
+      </p:sp>
+      <p:sp>
+        <p:nvSpPr>
+          <p:cNvPr id="7" name="제목 1">
+            <a:extLst>
+              <a:ext uri="{FF2B5EF4-FFF2-40B4-BE49-F238E27FC236}">
+                <a16:creationId xmlns:a16="http://schemas.microsoft.com/office/drawing/2014/main" xmlns="" id="{2EC833C6-FAC3-442B-803D-3FB02DF07980}"/>
+              </a:ext>
+            </a:extLst>
+          </p:cNvPr>
+          <p:cNvSpPr txBox="1">
+            <a:spLocks/>
+          </p:cNvSpPr>
+          <p:nvPr/>
+        </p:nvSpPr>
+        <p:spPr>
+          <a:xfrm>
+            <a:off x="677334" y="609600"/>
+            <a:ext cx="9365024" cy="517864"/>
+          </a:xfrm>
+          <a:prstGeom prst="rect">
+            <a:avLst/>
+          </a:prstGeom>
+        </p:spPr>
+        <p:txBody>
+          <a:bodyPr vert="horz" lIns="91440" tIns="45720" rIns="91440" bIns="45720" rtlCol="0" anchor="t">
+            <a:normAutofit fontScale="90000" lnSpcReduction="20000"/>
+          </a:bodyPr>
+          <a:lstStyle>
+            <a:lvl1pPr algn="l" defTabSz="457200" rtl="0" eaLnBrk="1" latinLnBrk="1" hangingPunct="1">
+              <a:spcBef>
+                <a:spcPct val="0"/>
+              </a:spcBef>
+              <a:buNone/>
+              <a:defRPr sz="3600" kern="1200">
+                <a:solidFill>
+                  <a:schemeClr val="accent1"/>
+                </a:solidFill>
+                <a:latin typeface="+mj-lt"/>
+                <a:ea typeface="+mj-ea"/>
+                <a:cs typeface="+mj-cs"/>
+              </a:defRPr>
+            </a:lvl1pPr>
+            <a:lvl2pPr eaLnBrk="1" latinLnBrk="1" hangingPunct="1">
+              <a:defRPr>
+                <a:solidFill>
+                  <a:schemeClr val="tx2"/>
+                </a:solidFill>
+              </a:defRPr>
+            </a:lvl2pPr>
+            <a:lvl3pPr eaLnBrk="1" latinLnBrk="1" hangingPunct="1">
+              <a:defRPr>
+                <a:solidFill>
+                  <a:schemeClr val="tx2"/>
+                </a:solidFill>
+              </a:defRPr>
+            </a:lvl3pPr>
+            <a:lvl4pPr eaLnBrk="1" latinLnBrk="1" hangingPunct="1">
+              <a:defRPr>
+                <a:solidFill>
+                  <a:schemeClr val="tx2"/>
+                </a:solidFill>
+              </a:defRPr>
+            </a:lvl4pPr>
+            <a:lvl5pPr eaLnBrk="1" latinLnBrk="1" hangingPunct="1">
+              <a:defRPr>
+                <a:solidFill>
+                  <a:schemeClr val="tx2"/>
+                </a:solidFill>
+              </a:defRPr>
+            </a:lvl5pPr>
+            <a:lvl6pPr eaLnBrk="1" latinLnBrk="1" hangingPunct="1">
+              <a:defRPr>
+                <a:solidFill>
+                  <a:schemeClr val="tx2"/>
+                </a:solidFill>
+              </a:defRPr>
+            </a:lvl6pPr>
+            <a:lvl7pPr eaLnBrk="1" latinLnBrk="1" hangingPunct="1">
+              <a:defRPr>
+                <a:solidFill>
+                  <a:schemeClr val="tx2"/>
+                </a:solidFill>
+              </a:defRPr>
+            </a:lvl7pPr>
+            <a:lvl8pPr eaLnBrk="1" latinLnBrk="1" hangingPunct="1">
+              <a:defRPr>
+                <a:solidFill>
+                  <a:schemeClr val="tx2"/>
+                </a:solidFill>
+              </a:defRPr>
+            </a:lvl8pPr>
+            <a:lvl9pPr eaLnBrk="1" latinLnBrk="1" hangingPunct="1">
+              <a:defRPr>
+                <a:solidFill>
+                  <a:schemeClr val="tx2"/>
+                </a:solidFill>
+              </a:defRPr>
+            </a:lvl9pPr>
+          </a:lstStyle>
+          <a:p>
+            <a:r>
+              <a:rPr lang="en-US" altLang="ko-KR" dirty="0" smtClean="0"/>
+              <a:t>5. Shortest Path Problem – </a:t>
+            </a:r>
+            <a:r>
+              <a:rPr lang="en-US" altLang="ko-KR" dirty="0" err="1" smtClean="0"/>
+              <a:t>Dijikstra’s</a:t>
+            </a:r>
+            <a:r>
+              <a:rPr lang="en-US" altLang="ko-KR" dirty="0" smtClean="0"/>
+              <a:t> Algorithm 2</a:t>
+            </a:r>
+            <a:endParaRPr lang="ko-KR" altLang="en-US" dirty="0"/>
+          </a:p>
+        </p:txBody>
+      </p:sp>
+    </p:spTree>
+    <p:extLst>
+      <p:ext uri="{BB962C8B-B14F-4D97-AF65-F5344CB8AC3E}">
+        <p14:creationId xmlns:p14="http://schemas.microsoft.com/office/powerpoint/2010/main" val="1193503627"/>
+      </p:ext>
+    </p:extLst>
+  </p:cSld>
+  <p:clrMapOvr>
+    <a:masterClrMapping/>
+  </p:clrMapOvr>
+</p:sld>
+</file>
+
+<file path=ppt/slides/slide11.xml><?xml version="1.0" encoding="utf-8"?>
+<p:sld xmlns:a="http://schemas.openxmlformats.org/drawingml/2006/main" xmlns:r="http://schemas.openxmlformats.org/officeDocument/2006/relationships" xmlns:p="http://schemas.openxmlformats.org/presentationml/2006/main">
+  <p:cSld>
+    <p:spTree>
+      <p:nvGrpSpPr>
+        <p:cNvPr id="1" name=""/>
+        <p:cNvGrpSpPr/>
+        <p:nvPr/>
+      </p:nvGrpSpPr>
+      <p:grpSpPr>
+        <a:xfrm>
+          <a:off x="0" y="0"/>
+          <a:ext cx="0" cy="0"/>
+          <a:chOff x="0" y="0"/>
+          <a:chExt cx="0" cy="0"/>
+        </a:xfrm>
+      </p:grpSpPr>
+      <p:sp>
+        <p:nvSpPr>
+          <p:cNvPr id="4" name="제목 1">
+            <a:extLst>
+              <a:ext uri="{FF2B5EF4-FFF2-40B4-BE49-F238E27FC236}">
+                <a16:creationId xmlns:a16="http://schemas.microsoft.com/office/drawing/2014/main" xmlns="" id="{824331F3-9831-4A24-AC95-4771B0BCE333}"/>
+              </a:ext>
+            </a:extLst>
+          </p:cNvPr>
+          <p:cNvSpPr txBox="1">
+            <a:spLocks/>
+          </p:cNvSpPr>
+          <p:nvPr/>
+        </p:nvSpPr>
+        <p:spPr>
+          <a:xfrm>
+            <a:off x="1307647" y="1180730"/>
+            <a:ext cx="8022783" cy="436518"/>
+          </a:xfrm>
+          <a:prstGeom prst="rect">
+            <a:avLst/>
+          </a:prstGeom>
+        </p:spPr>
+        <p:txBody>
+          <a:bodyPr vert="horz" lIns="91440" tIns="45720" rIns="91440" bIns="45720" rtlCol="0" anchor="t">
+            <a:normAutofit lnSpcReduction="10000"/>
+          </a:bodyPr>
+          <a:lstStyle>
+            <a:lvl1pPr algn="l" defTabSz="457200" rtl="0" eaLnBrk="1" latinLnBrk="1" hangingPunct="1">
+              <a:spcBef>
+                <a:spcPct val="0"/>
+              </a:spcBef>
+              <a:buNone/>
+              <a:defRPr sz="3600" kern="1200">
+                <a:solidFill>
+                  <a:schemeClr val="accent1"/>
+                </a:solidFill>
+                <a:latin typeface="+mj-lt"/>
+                <a:ea typeface="+mj-ea"/>
+                <a:cs typeface="+mj-cs"/>
+              </a:defRPr>
+            </a:lvl1pPr>
+            <a:lvl2pPr eaLnBrk="1" latinLnBrk="1" hangingPunct="1">
+              <a:defRPr>
+                <a:solidFill>
+                  <a:schemeClr val="tx2"/>
+                </a:solidFill>
+              </a:defRPr>
+            </a:lvl2pPr>
+            <a:lvl3pPr eaLnBrk="1" latinLnBrk="1" hangingPunct="1">
+              <a:defRPr>
+                <a:solidFill>
+                  <a:schemeClr val="tx2"/>
+                </a:solidFill>
+              </a:defRPr>
+            </a:lvl3pPr>
+            <a:lvl4pPr eaLnBrk="1" latinLnBrk="1" hangingPunct="1">
+              <a:defRPr>
+                <a:solidFill>
+                  <a:schemeClr val="tx2"/>
+                </a:solidFill>
+              </a:defRPr>
+            </a:lvl4pPr>
+            <a:lvl5pPr eaLnBrk="1" latinLnBrk="1" hangingPunct="1">
+              <a:defRPr>
+                <a:solidFill>
+                  <a:schemeClr val="tx2"/>
+                </a:solidFill>
+              </a:defRPr>
+            </a:lvl5pPr>
+            <a:lvl6pPr eaLnBrk="1" latinLnBrk="1" hangingPunct="1">
+              <a:defRPr>
+                <a:solidFill>
+                  <a:schemeClr val="tx2"/>
+                </a:solidFill>
+              </a:defRPr>
+            </a:lvl6pPr>
+            <a:lvl7pPr eaLnBrk="1" latinLnBrk="1" hangingPunct="1">
+              <a:defRPr>
+                <a:solidFill>
+                  <a:schemeClr val="tx2"/>
+                </a:solidFill>
+              </a:defRPr>
+            </a:lvl7pPr>
+            <a:lvl8pPr eaLnBrk="1" latinLnBrk="1" hangingPunct="1">
+              <a:defRPr>
+                <a:solidFill>
+                  <a:schemeClr val="tx2"/>
+                </a:solidFill>
+              </a:defRPr>
+            </a:lvl8pPr>
+            <a:lvl9pPr eaLnBrk="1" latinLnBrk="1" hangingPunct="1">
+              <a:defRPr>
+                <a:solidFill>
+                  <a:schemeClr val="tx2"/>
+                </a:solidFill>
+              </a:defRPr>
+            </a:lvl9pPr>
+          </a:lstStyle>
+          <a:p>
+            <a:r>
+              <a:rPr lang="en-US" altLang="ko-KR" sz="2400" dirty="0" err="1" smtClean="0"/>
+              <a:t>T</a:t>
+            </a:r>
+            <a:r>
+              <a:rPr lang="en-US" altLang="ko-KR" sz="2400" dirty="0" err="1" smtClean="0"/>
+              <a:t>sdafasdf</a:t>
+            </a:r>
+            <a:endParaRPr lang="en-US" altLang="ko-KR" sz="2400" dirty="0"/>
+          </a:p>
+        </p:txBody>
+      </p:sp>
+      <p:sp>
+        <p:nvSpPr>
+          <p:cNvPr id="6" name="직사각형 5">
+            <a:extLst>
+              <a:ext uri="{FF2B5EF4-FFF2-40B4-BE49-F238E27FC236}">
+                <a16:creationId xmlns:a16="http://schemas.microsoft.com/office/drawing/2014/main" xmlns="" id="{6A60F032-B172-43E0-B147-16329887DE8F}"/>
+              </a:ext>
+            </a:extLst>
+          </p:cNvPr>
+          <p:cNvSpPr/>
+          <p:nvPr/>
+        </p:nvSpPr>
+        <p:spPr>
+          <a:xfrm>
+            <a:off x="7620874" y="2196693"/>
+            <a:ext cx="4470512" cy="307777"/>
+          </a:xfrm>
+          <a:prstGeom prst="rect">
+            <a:avLst/>
+          </a:prstGeom>
+        </p:spPr>
+        <p:txBody>
+          <a:bodyPr wrap="square">
+            <a:spAutoFit/>
+          </a:bodyPr>
+          <a:lstStyle/>
+          <a:p>
+            <a:pPr marL="285750" indent="-285750">
+              <a:buFontTx/>
+              <a:buChar char="-"/>
+            </a:pPr>
+            <a:r>
+              <a:rPr lang="ko-KR" altLang="en-US" sz="1400" dirty="0" smtClean="0"/>
+              <a:t>내용</a:t>
+            </a:r>
+            <a:endParaRPr lang="ko-KR" altLang="en-US" sz="1400" dirty="0"/>
+          </a:p>
+        </p:txBody>
+      </p:sp>
+      <p:sp>
+        <p:nvSpPr>
+          <p:cNvPr id="7" name="제목 1">
+            <a:extLst>
+              <a:ext uri="{FF2B5EF4-FFF2-40B4-BE49-F238E27FC236}">
+                <a16:creationId xmlns:a16="http://schemas.microsoft.com/office/drawing/2014/main" xmlns="" id="{2EC833C6-FAC3-442B-803D-3FB02DF07980}"/>
+              </a:ext>
+            </a:extLst>
+          </p:cNvPr>
+          <p:cNvSpPr txBox="1">
+            <a:spLocks/>
+          </p:cNvSpPr>
+          <p:nvPr/>
+        </p:nvSpPr>
+        <p:spPr>
+          <a:xfrm>
+            <a:off x="677334" y="609600"/>
+            <a:ext cx="9365024" cy="517864"/>
+          </a:xfrm>
+          <a:prstGeom prst="rect">
+            <a:avLst/>
+          </a:prstGeom>
+        </p:spPr>
+        <p:txBody>
+          <a:bodyPr vert="horz" lIns="91440" tIns="45720" rIns="91440" bIns="45720" rtlCol="0" anchor="t">
+            <a:normAutofit fontScale="82500" lnSpcReduction="10000"/>
+          </a:bodyPr>
+          <a:lstStyle>
+            <a:lvl1pPr algn="l" defTabSz="457200" rtl="0" eaLnBrk="1" latinLnBrk="1" hangingPunct="1">
+              <a:spcBef>
+                <a:spcPct val="0"/>
+              </a:spcBef>
+              <a:buNone/>
+              <a:defRPr sz="3600" kern="1200">
+                <a:solidFill>
+                  <a:schemeClr val="accent1"/>
+                </a:solidFill>
+                <a:latin typeface="+mj-lt"/>
+                <a:ea typeface="+mj-ea"/>
+                <a:cs typeface="+mj-cs"/>
+              </a:defRPr>
+            </a:lvl1pPr>
+            <a:lvl2pPr eaLnBrk="1" latinLnBrk="1" hangingPunct="1">
+              <a:defRPr>
+                <a:solidFill>
+                  <a:schemeClr val="tx2"/>
+                </a:solidFill>
+              </a:defRPr>
+            </a:lvl2pPr>
+            <a:lvl3pPr eaLnBrk="1" latinLnBrk="1" hangingPunct="1">
+              <a:defRPr>
+                <a:solidFill>
+                  <a:schemeClr val="tx2"/>
+                </a:solidFill>
+              </a:defRPr>
+            </a:lvl3pPr>
+            <a:lvl4pPr eaLnBrk="1" latinLnBrk="1" hangingPunct="1">
+              <a:defRPr>
+                <a:solidFill>
+                  <a:schemeClr val="tx2"/>
+                </a:solidFill>
+              </a:defRPr>
+            </a:lvl4pPr>
+            <a:lvl5pPr eaLnBrk="1" latinLnBrk="1" hangingPunct="1">
+              <a:defRPr>
+                <a:solidFill>
+                  <a:schemeClr val="tx2"/>
+                </a:solidFill>
+              </a:defRPr>
+            </a:lvl5pPr>
+            <a:lvl6pPr eaLnBrk="1" latinLnBrk="1" hangingPunct="1">
+              <a:defRPr>
+                <a:solidFill>
+                  <a:schemeClr val="tx2"/>
+                </a:solidFill>
+              </a:defRPr>
+            </a:lvl6pPr>
+            <a:lvl7pPr eaLnBrk="1" latinLnBrk="1" hangingPunct="1">
+              <a:defRPr>
+                <a:solidFill>
+                  <a:schemeClr val="tx2"/>
+                </a:solidFill>
+              </a:defRPr>
+            </a:lvl7pPr>
+            <a:lvl8pPr eaLnBrk="1" latinLnBrk="1" hangingPunct="1">
+              <a:defRPr>
+                <a:solidFill>
+                  <a:schemeClr val="tx2"/>
+                </a:solidFill>
+              </a:defRPr>
+            </a:lvl8pPr>
+            <a:lvl9pPr eaLnBrk="1" latinLnBrk="1" hangingPunct="1">
+              <a:defRPr>
+                <a:solidFill>
+                  <a:schemeClr val="tx2"/>
+                </a:solidFill>
+              </a:defRPr>
+            </a:lvl9pPr>
+          </a:lstStyle>
+          <a:p>
+            <a:r>
+              <a:rPr lang="en-US" altLang="ko-KR" dirty="0" smtClean="0"/>
+              <a:t>6. </a:t>
+            </a:r>
+            <a:r>
+              <a:rPr lang="en-US" altLang="ko-KR" dirty="0"/>
+              <a:t>Minimum Spanning Tree Problem Prim’s Algorithm</a:t>
+            </a:r>
+            <a:endParaRPr lang="ko-KR" altLang="en-US" dirty="0"/>
+          </a:p>
+        </p:txBody>
+      </p:sp>
+    </p:spTree>
+    <p:extLst>
+      <p:ext uri="{BB962C8B-B14F-4D97-AF65-F5344CB8AC3E}">
+        <p14:creationId xmlns:p14="http://schemas.microsoft.com/office/powerpoint/2010/main" val="3656647440"/>
       </p:ext>
     </p:extLst>
   </p:cSld>
@@ -5909,7 +6513,7 @@
           <p:cNvPr id="2" name="제목 1">
             <a:extLst>
               <a:ext uri="{FF2B5EF4-FFF2-40B4-BE49-F238E27FC236}">
-                <a16:creationId xmlns:a16="http://schemas.microsoft.com/office/drawing/2014/main" id="{11F7ECDD-6C8C-4DC9-BAE8-787D827B25C2}"/>
+                <a16:creationId xmlns:a16="http://schemas.microsoft.com/office/drawing/2014/main" xmlns="" id="{11F7ECDD-6C8C-4DC9-BAE8-787D827B25C2}"/>
               </a:ext>
             </a:extLst>
           </p:cNvPr>
@@ -5937,7 +6541,7 @@
           <p:cNvPr id="3" name="내용 개체 틀 2">
             <a:extLst>
               <a:ext uri="{FF2B5EF4-FFF2-40B4-BE49-F238E27FC236}">
-                <a16:creationId xmlns:a16="http://schemas.microsoft.com/office/drawing/2014/main" id="{78E0D18E-A1CC-42A5-BA2D-A0504A727BCF}"/>
+                <a16:creationId xmlns:a16="http://schemas.microsoft.com/office/drawing/2014/main" xmlns="" id="{78E0D18E-A1CC-42A5-BA2D-A0504A727BCF}"/>
               </a:ext>
             </a:extLst>
           </p:cNvPr>
@@ -6001,11 +6605,7 @@
           <a:p>
             <a:r>
               <a:rPr lang="en-US" altLang="ko-KR" dirty="0"/>
-              <a:t>Minimum Spanning Tree Problem </a:t>
-            </a:r>
-            <a:r>
-              <a:rPr lang="en-US" altLang="ko-KR"/>
-              <a:t>Prim’s Algorithm</a:t>
+              <a:t>Minimum Spanning Tree Problem Prim’s Algorithm</a:t>
             </a:r>
             <a:endParaRPr lang="ko-KR" altLang="en-US" dirty="0"/>
           </a:p>
@@ -6049,7 +6649,7 @@
           <p:cNvPr id="2" name="제목 1">
             <a:extLst>
               <a:ext uri="{FF2B5EF4-FFF2-40B4-BE49-F238E27FC236}">
-                <a16:creationId xmlns:a16="http://schemas.microsoft.com/office/drawing/2014/main" id="{2EC833C6-FAC3-442B-803D-3FB02DF07980}"/>
+                <a16:creationId xmlns:a16="http://schemas.microsoft.com/office/drawing/2014/main" xmlns="" id="{2EC833C6-FAC3-442B-803D-3FB02DF07980}"/>
               </a:ext>
             </a:extLst>
           </p:cNvPr>
@@ -6073,8 +6673,12 @@
           <a:lstStyle/>
           <a:p>
             <a:r>
-              <a:rPr lang="en-US" altLang="ko-KR" dirty="0"/>
-              <a:t>1. Tree as an Abstract Data Type and</a:t>
+              <a:rPr lang="en-US" altLang="ko-KR" dirty="0" smtClean="0"/>
+              <a:t>1. </a:t>
+            </a:r>
+            <a:r>
+              <a:rPr lang="en-US" altLang="ko-KR" dirty="0" smtClean="0"/>
+              <a:t>Graph</a:t>
             </a:r>
             <a:endParaRPr lang="ko-KR" altLang="en-US" dirty="0"/>
           </a:p>
@@ -6085,7 +6689,7 @@
           <p:cNvPr id="4" name="제목 1">
             <a:extLst>
               <a:ext uri="{FF2B5EF4-FFF2-40B4-BE49-F238E27FC236}">
-                <a16:creationId xmlns:a16="http://schemas.microsoft.com/office/drawing/2014/main" id="{824331F3-9831-4A24-AC95-4771B0BCE333}"/>
+                <a16:creationId xmlns:a16="http://schemas.microsoft.com/office/drawing/2014/main" xmlns="" id="{824331F3-9831-4A24-AC95-4771B0BCE333}"/>
               </a:ext>
             </a:extLst>
           </p:cNvPr>
@@ -6181,21 +6785,117 @@
           </a:lstStyle>
           <a:p>
             <a:r>
-              <a:rPr lang="en-US" altLang="ko-KR" sz="2400" dirty="0"/>
-              <a:t>Tree as an abstract data type</a:t>
-            </a:r>
-          </a:p>
-        </p:txBody>
-      </p:sp>
-      <p:pic>
-        <p:nvPicPr>
-          <p:cNvPr id="5" name="그림 4">
+              <a:rPr lang="en-US" altLang="ko-KR" sz="2400" dirty="0" smtClean="0"/>
+              <a:t>Graphs</a:t>
+            </a:r>
+            <a:endParaRPr lang="en-US" altLang="ko-KR" sz="2400" dirty="0"/>
+          </a:p>
+        </p:txBody>
+      </p:sp>
+      <p:sp>
+        <p:nvSpPr>
+          <p:cNvPr id="6" name="직사각형 5">
             <a:extLst>
               <a:ext uri="{FF2B5EF4-FFF2-40B4-BE49-F238E27FC236}">
-                <a16:creationId xmlns:a16="http://schemas.microsoft.com/office/drawing/2014/main" id="{858C3EB4-7202-4446-B5B9-89DD10AB476A}"/>
+                <a16:creationId xmlns:a16="http://schemas.microsoft.com/office/drawing/2014/main" xmlns="" id="{6A60F032-B172-43E0-B147-16329887DE8F}"/>
               </a:ext>
             </a:extLst>
           </p:cNvPr>
+          <p:cNvSpPr/>
+          <p:nvPr/>
+        </p:nvSpPr>
+        <p:spPr>
+          <a:xfrm>
+            <a:off x="7620874" y="2196693"/>
+            <a:ext cx="4470512" cy="1815882"/>
+          </a:xfrm>
+          <a:prstGeom prst="rect">
+            <a:avLst/>
+          </a:prstGeom>
+        </p:spPr>
+        <p:txBody>
+          <a:bodyPr wrap="square">
+            <a:spAutoFit/>
+          </a:bodyPr>
+          <a:lstStyle/>
+          <a:p>
+            <a:pPr marL="285750" indent="-285750">
+              <a:buFontTx/>
+              <a:buChar char="-"/>
+            </a:pPr>
+            <a:r>
+              <a:rPr lang="en-US" altLang="ko-KR" sz="1400" dirty="0" smtClean="0"/>
+              <a:t>Graph : </a:t>
+            </a:r>
+            <a:r>
+              <a:rPr lang="ko-KR" altLang="en-US" sz="1400" dirty="0" smtClean="0"/>
+              <a:t>마음대로 연결이 되어 있는 것</a:t>
+            </a:r>
+            <a:endParaRPr lang="en-US" altLang="ko-KR" sz="1400" dirty="0" smtClean="0"/>
+          </a:p>
+          <a:p>
+            <a:pPr marL="285750" indent="-285750">
+              <a:buFontTx/>
+              <a:buChar char="-"/>
+            </a:pPr>
+            <a:r>
+              <a:rPr lang="en-US" altLang="ko-KR" sz="1400" dirty="0" smtClean="0"/>
+              <a:t>Graph G = (V, E)</a:t>
+            </a:r>
+          </a:p>
+          <a:p>
+            <a:pPr marL="285750" indent="-285750">
+              <a:buFontTx/>
+              <a:buChar char="-"/>
+            </a:pPr>
+            <a:r>
+              <a:rPr lang="en-US" altLang="ko-KR" sz="1400" dirty="0" smtClean="0"/>
+              <a:t>V : vertices (or node)</a:t>
+            </a:r>
+          </a:p>
+          <a:p>
+            <a:pPr marL="285750" indent="-285750">
+              <a:buFontTx/>
+              <a:buChar char="-"/>
+            </a:pPr>
+            <a:r>
+              <a:rPr lang="en-US" altLang="ko-KR" sz="1400" dirty="0" smtClean="0"/>
+              <a:t>E : set of edges(or link, arcs)</a:t>
+            </a:r>
+          </a:p>
+          <a:p>
+            <a:pPr marL="285750" indent="-285750">
+              <a:buFontTx/>
+              <a:buChar char="-"/>
+            </a:pPr>
+            <a:r>
+              <a:rPr lang="ko-KR" altLang="en-US" sz="1400" dirty="0" smtClean="0"/>
+              <a:t>세가지로</a:t>
+            </a:r>
+            <a:endParaRPr lang="en-US" altLang="ko-KR" sz="1400" dirty="0" smtClean="0"/>
+          </a:p>
+          <a:p>
+            <a:pPr marL="285750" indent="-285750">
+              <a:buFontTx/>
+              <a:buChar char="-"/>
+            </a:pPr>
+            <a:r>
+              <a:rPr lang="en-US" altLang="ko-KR" sz="1400" dirty="0" smtClean="0"/>
+              <a:t>Unlabeled, Labeled vertices, Labeled vertices And Weighted edges</a:t>
+            </a:r>
+          </a:p>
+          <a:p>
+            <a:pPr marL="285750" indent="-285750">
+              <a:buFontTx/>
+              <a:buChar char="-"/>
+            </a:pPr>
+            <a:endParaRPr lang="ko-KR" altLang="en-US" sz="1400" dirty="0"/>
+          </a:p>
+        </p:txBody>
+      </p:sp>
+      <p:pic>
+        <p:nvPicPr>
+          <p:cNvPr id="3" name="그림 2"/>
           <p:cNvPicPr>
             <a:picLocks noChangeAspect="1"/>
           </p:cNvPicPr>
@@ -6209,20 +6909,198 @@
         </p:blipFill>
         <p:spPr>
           <a:xfrm>
-            <a:off x="380865" y="2196693"/>
-            <a:ext cx="7240010" cy="3600953"/>
+            <a:off x="169833" y="1830934"/>
+            <a:ext cx="7260486" cy="4441528"/>
           </a:xfrm>
           <a:prstGeom prst="rect">
             <a:avLst/>
           </a:prstGeom>
         </p:spPr>
       </p:pic>
+    </p:spTree>
+    <p:extLst>
+      <p:ext uri="{BB962C8B-B14F-4D97-AF65-F5344CB8AC3E}">
+        <p14:creationId xmlns:p14="http://schemas.microsoft.com/office/powerpoint/2010/main" val="1601435718"/>
+      </p:ext>
+    </p:extLst>
+  </p:cSld>
+  <p:clrMapOvr>
+    <a:masterClrMapping/>
+  </p:clrMapOvr>
+</p:sld>
+</file>
+
+<file path=ppt/slides/slide4.xml><?xml version="1.0" encoding="utf-8"?>
+<p:sld xmlns:a="http://schemas.openxmlformats.org/drawingml/2006/main" xmlns:r="http://schemas.openxmlformats.org/officeDocument/2006/relationships" xmlns:p="http://schemas.openxmlformats.org/presentationml/2006/main">
+  <p:cSld>
+    <p:spTree>
+      <p:nvGrpSpPr>
+        <p:cNvPr id="1" name=""/>
+        <p:cNvGrpSpPr/>
+        <p:nvPr/>
+      </p:nvGrpSpPr>
+      <p:grpSpPr>
+        <a:xfrm>
+          <a:off x="0" y="0"/>
+          <a:ext cx="0" cy="0"/>
+          <a:chOff x="0" y="0"/>
+          <a:chExt cx="0" cy="0"/>
+        </a:xfrm>
+      </p:grpSpPr>
+      <p:sp>
+        <p:nvSpPr>
+          <p:cNvPr id="2" name="제목 1">
+            <a:extLst>
+              <a:ext uri="{FF2B5EF4-FFF2-40B4-BE49-F238E27FC236}">
+                <a16:creationId xmlns:a16="http://schemas.microsoft.com/office/drawing/2014/main" xmlns="" id="{2EC833C6-FAC3-442B-803D-3FB02DF07980}"/>
+              </a:ext>
+            </a:extLst>
+          </p:cNvPr>
+          <p:cNvSpPr>
+            <a:spLocks noGrp="1"/>
+          </p:cNvSpPr>
+          <p:nvPr>
+            <p:ph type="title"/>
+          </p:nvPr>
+        </p:nvSpPr>
+        <p:spPr>
+          <a:xfrm>
+            <a:off x="677334" y="609600"/>
+            <a:ext cx="8596668" cy="517864"/>
+          </a:xfrm>
+        </p:spPr>
+        <p:txBody>
+          <a:bodyPr>
+            <a:normAutofit fontScale="90000"/>
+          </a:bodyPr>
+          <a:lstStyle/>
+          <a:p>
+            <a:r>
+              <a:rPr lang="en-US" altLang="ko-KR" dirty="0" smtClean="0"/>
+              <a:t>1. </a:t>
+            </a:r>
+            <a:r>
+              <a:rPr lang="en-US" altLang="ko-KR" dirty="0" smtClean="0"/>
+              <a:t>Graph</a:t>
+            </a:r>
+            <a:endParaRPr lang="ko-KR" altLang="en-US" dirty="0"/>
+          </a:p>
+        </p:txBody>
+      </p:sp>
+      <p:sp>
+        <p:nvSpPr>
+          <p:cNvPr id="4" name="제목 1">
+            <a:extLst>
+              <a:ext uri="{FF2B5EF4-FFF2-40B4-BE49-F238E27FC236}">
+                <a16:creationId xmlns:a16="http://schemas.microsoft.com/office/drawing/2014/main" xmlns="" id="{824331F3-9831-4A24-AC95-4771B0BCE333}"/>
+              </a:ext>
+            </a:extLst>
+          </p:cNvPr>
+          <p:cNvSpPr txBox="1">
+            <a:spLocks/>
+          </p:cNvSpPr>
+          <p:nvPr/>
+        </p:nvSpPr>
+        <p:spPr>
+          <a:xfrm>
+            <a:off x="1307647" y="1180730"/>
+            <a:ext cx="8022783" cy="436518"/>
+          </a:xfrm>
+          <a:prstGeom prst="rect">
+            <a:avLst/>
+          </a:prstGeom>
+        </p:spPr>
+        <p:txBody>
+          <a:bodyPr vert="horz" lIns="91440" tIns="45720" rIns="91440" bIns="45720" rtlCol="0" anchor="t">
+            <a:normAutofit lnSpcReduction="10000"/>
+          </a:bodyPr>
+          <a:lstStyle>
+            <a:lvl1pPr algn="l" defTabSz="457200" rtl="0" eaLnBrk="1" latinLnBrk="1" hangingPunct="1">
+              <a:spcBef>
+                <a:spcPct val="0"/>
+              </a:spcBef>
+              <a:buNone/>
+              <a:defRPr sz="3600" kern="1200">
+                <a:solidFill>
+                  <a:schemeClr val="accent1"/>
+                </a:solidFill>
+                <a:latin typeface="+mj-lt"/>
+                <a:ea typeface="+mj-ea"/>
+                <a:cs typeface="+mj-cs"/>
+              </a:defRPr>
+            </a:lvl1pPr>
+            <a:lvl2pPr eaLnBrk="1" latinLnBrk="1" hangingPunct="1">
+              <a:defRPr>
+                <a:solidFill>
+                  <a:schemeClr val="tx2"/>
+                </a:solidFill>
+              </a:defRPr>
+            </a:lvl2pPr>
+            <a:lvl3pPr eaLnBrk="1" latinLnBrk="1" hangingPunct="1">
+              <a:defRPr>
+                <a:solidFill>
+                  <a:schemeClr val="tx2"/>
+                </a:solidFill>
+              </a:defRPr>
+            </a:lvl3pPr>
+            <a:lvl4pPr eaLnBrk="1" latinLnBrk="1" hangingPunct="1">
+              <a:defRPr>
+                <a:solidFill>
+                  <a:schemeClr val="tx2"/>
+                </a:solidFill>
+              </a:defRPr>
+            </a:lvl4pPr>
+            <a:lvl5pPr eaLnBrk="1" latinLnBrk="1" hangingPunct="1">
+              <a:defRPr>
+                <a:solidFill>
+                  <a:schemeClr val="tx2"/>
+                </a:solidFill>
+              </a:defRPr>
+            </a:lvl5pPr>
+            <a:lvl6pPr eaLnBrk="1" latinLnBrk="1" hangingPunct="1">
+              <a:defRPr>
+                <a:solidFill>
+                  <a:schemeClr val="tx2"/>
+                </a:solidFill>
+              </a:defRPr>
+            </a:lvl6pPr>
+            <a:lvl7pPr eaLnBrk="1" latinLnBrk="1" hangingPunct="1">
+              <a:defRPr>
+                <a:solidFill>
+                  <a:schemeClr val="tx2"/>
+                </a:solidFill>
+              </a:defRPr>
+            </a:lvl7pPr>
+            <a:lvl8pPr eaLnBrk="1" latinLnBrk="1" hangingPunct="1">
+              <a:defRPr>
+                <a:solidFill>
+                  <a:schemeClr val="tx2"/>
+                </a:solidFill>
+              </a:defRPr>
+            </a:lvl8pPr>
+            <a:lvl9pPr eaLnBrk="1" latinLnBrk="1" hangingPunct="1">
+              <a:defRPr>
+                <a:solidFill>
+                  <a:schemeClr val="tx2"/>
+                </a:solidFill>
+              </a:defRPr>
+            </a:lvl9pPr>
+          </a:lstStyle>
+          <a:p>
+            <a:r>
+              <a:rPr lang="en-US" altLang="ko-KR" sz="2400" dirty="0" smtClean="0"/>
+              <a:t>Graph terminology</a:t>
+            </a:r>
+            <a:endParaRPr lang="en-US" altLang="ko-KR" sz="2400" dirty="0"/>
+          </a:p>
+        </p:txBody>
+      </p:sp>
       <p:sp>
         <p:nvSpPr>
           <p:cNvPr id="6" name="직사각형 5">
             <a:extLst>
               <a:ext uri="{FF2B5EF4-FFF2-40B4-BE49-F238E27FC236}">
-                <a16:creationId xmlns:a16="http://schemas.microsoft.com/office/drawing/2014/main" id="{6A60F032-B172-43E0-B147-16329887DE8F}"/>
+                <a16:creationId xmlns:a16="http://schemas.microsoft.com/office/drawing/2014/main" xmlns="" id="{6A60F032-B172-43E0-B147-16329887DE8F}"/>
               </a:ext>
             </a:extLst>
           </p:cNvPr>
@@ -6232,7 +7110,7 @@
         <p:spPr>
           <a:xfrm>
             <a:off x="7620874" y="2196693"/>
-            <a:ext cx="4470512" cy="3416320"/>
+            <a:ext cx="4470512" cy="1815882"/>
           </a:xfrm>
           <a:prstGeom prst="rect">
             <a:avLst/>
@@ -6249,30 +7127,22 @@
               <a:buChar char="-"/>
             </a:pPr>
             <a:r>
-              <a:rPr lang="ko-KR" altLang="en-US" dirty="0" err="1"/>
-              <a:t>Up</a:t>
-            </a:r>
-            <a:r>
-              <a:rPr lang="ko-KR" altLang="en-US" dirty="0"/>
-              <a:t> – </a:t>
-            </a:r>
-            <a:r>
-              <a:rPr lang="ko-KR" altLang="en-US" dirty="0" err="1"/>
-              <a:t>side</a:t>
-            </a:r>
-            <a:r>
-              <a:rPr lang="ko-KR" altLang="en-US" dirty="0"/>
-              <a:t> –</a:t>
-            </a:r>
-            <a:r>
-              <a:rPr lang="ko-KR" altLang="en-US" dirty="0" err="1"/>
-              <a:t>down</a:t>
-            </a:r>
-            <a:r>
-              <a:rPr lang="ko-KR" altLang="en-US" dirty="0"/>
-              <a:t> 형태 </a:t>
-            </a:r>
-            <a:endParaRPr lang="en-US" altLang="ko-KR" dirty="0"/>
+              <a:rPr lang="en-US" altLang="ko-KR" sz="1400" dirty="0" smtClean="0"/>
+              <a:t>Adjacent, neighbor : </a:t>
+            </a:r>
+            <a:r>
+              <a:rPr lang="ko-KR" altLang="en-US" sz="1400" dirty="0" smtClean="0"/>
+              <a:t>서로 </a:t>
+            </a:r>
+            <a:r>
+              <a:rPr lang="en-US" altLang="ko-KR" sz="1400" dirty="0" smtClean="0"/>
+              <a:t>edge</a:t>
+            </a:r>
+            <a:r>
+              <a:rPr lang="ko-KR" altLang="en-US" sz="1400" dirty="0" smtClean="0"/>
+              <a:t>로 묶여 있는 것</a:t>
+            </a:r>
+            <a:endParaRPr lang="en-US" altLang="ko-KR" sz="1400" dirty="0" smtClean="0"/>
           </a:p>
           <a:p>
             <a:pPr marL="285750" indent="-285750">
@@ -6280,18 +7150,30 @@
               <a:buChar char="-"/>
             </a:pPr>
             <a:r>
-              <a:rPr lang="ko-KR" altLang="en-US" dirty="0"/>
-              <a:t>컴퓨터에서는 아래의 그림과 같이 표 </a:t>
-            </a:r>
-            <a:r>
-              <a:rPr lang="ko-KR" altLang="en-US" dirty="0" err="1"/>
-              <a:t>현할</a:t>
-            </a:r>
-            <a:r>
-              <a:rPr lang="ko-KR" altLang="en-US" dirty="0"/>
-              <a:t> 수 있다. </a:t>
-            </a:r>
-            <a:endParaRPr lang="en-US" altLang="ko-KR" dirty="0"/>
+              <a:rPr lang="en-US" altLang="ko-KR" sz="1400" dirty="0" smtClean="0"/>
+              <a:t>Path : </a:t>
+            </a:r>
+            <a:r>
+              <a:rPr lang="ko-KR" altLang="en-US" sz="1400" dirty="0" smtClean="0"/>
+              <a:t>특정한 </a:t>
+            </a:r>
+            <a:r>
+              <a:rPr lang="ko-KR" altLang="en-US" sz="1400" dirty="0" err="1" smtClean="0"/>
+              <a:t>노드에서</a:t>
+            </a:r>
+            <a:r>
+              <a:rPr lang="ko-KR" altLang="en-US" sz="1400" dirty="0" smtClean="0"/>
+              <a:t> 다른 </a:t>
+            </a:r>
+            <a:r>
+              <a:rPr lang="ko-KR" altLang="en-US" sz="1400" dirty="0" err="1" smtClean="0"/>
+              <a:t>노드로</a:t>
+            </a:r>
+            <a:r>
+              <a:rPr lang="ko-KR" altLang="en-US" sz="1400" dirty="0" smtClean="0"/>
+              <a:t> 가는 길</a:t>
+            </a:r>
+            <a:endParaRPr lang="en-US" altLang="ko-KR" sz="1400" dirty="0" smtClean="0"/>
           </a:p>
           <a:p>
             <a:pPr marL="285750" indent="-285750">
@@ -6299,18 +7181,25 @@
               <a:buChar char="-"/>
             </a:pPr>
             <a:r>
-              <a:rPr lang="ko-KR" altLang="en-US" dirty="0"/>
-              <a:t>위에서부터 </a:t>
-            </a:r>
-            <a:r>
-              <a:rPr lang="ko-KR" altLang="en-US" dirty="0" err="1"/>
-              <a:t>뻗어나와</a:t>
-            </a:r>
-            <a:r>
-              <a:rPr lang="ko-KR" altLang="en-US" dirty="0"/>
-              <a:t> 다양한 잎을 가 지는 구조 </a:t>
-            </a:r>
-            <a:endParaRPr lang="en-US" altLang="ko-KR" dirty="0"/>
+              <a:rPr lang="en-US" altLang="ko-KR" sz="1400" dirty="0" smtClean="0"/>
+              <a:t>Connected graph : </a:t>
+            </a:r>
+            <a:r>
+              <a:rPr lang="ko-KR" altLang="en-US" sz="1400" dirty="0" smtClean="0"/>
+              <a:t>모든 </a:t>
+            </a:r>
+            <a:r>
+              <a:rPr lang="ko-KR" altLang="en-US" sz="1400" dirty="0" err="1" smtClean="0"/>
+              <a:t>노드들이</a:t>
+            </a:r>
+            <a:r>
+              <a:rPr lang="ko-KR" altLang="en-US" sz="1400" dirty="0" smtClean="0"/>
+              <a:t> 연결된 </a:t>
+            </a:r>
+            <a:r>
+              <a:rPr lang="en-US" altLang="ko-KR" sz="1400" dirty="0" smtClean="0"/>
+              <a:t>Graph</a:t>
+            </a:r>
           </a:p>
           <a:p>
             <a:pPr marL="285750" indent="-285750">
@@ -6318,26 +7207,29 @@
               <a:buChar char="-"/>
             </a:pPr>
             <a:r>
-              <a:rPr lang="ko-KR" altLang="en-US" dirty="0"/>
-              <a:t>데이터는 </a:t>
-            </a:r>
-            <a:r>
-              <a:rPr lang="ko-KR" altLang="en-US" dirty="0" err="1"/>
-              <a:t>tree</a:t>
-            </a:r>
-            <a:r>
-              <a:rPr lang="ko-KR" altLang="en-US" dirty="0"/>
-              <a:t> </a:t>
-            </a:r>
-            <a:r>
-              <a:rPr lang="ko-KR" altLang="en-US" dirty="0" err="1"/>
-              <a:t>structure</a:t>
-            </a:r>
-            <a:r>
-              <a:rPr lang="ko-KR" altLang="en-US" dirty="0"/>
-              <a:t> 형식으로 저 장이 된다.</a:t>
-            </a:r>
-            <a:endParaRPr lang="en-US" altLang="ko-KR" dirty="0"/>
+              <a:rPr lang="en-US" altLang="ko-KR" sz="1400" dirty="0" smtClean="0"/>
+              <a:t>Connected component :  path</a:t>
+            </a:r>
+            <a:r>
+              <a:rPr lang="ko-KR" altLang="en-US" sz="1400" dirty="0" smtClean="0"/>
+              <a:t>를 </a:t>
+            </a:r>
+            <a:r>
+              <a:rPr lang="en-US" altLang="ko-KR" sz="1400" dirty="0" smtClean="0"/>
+              <a:t>planning </a:t>
+            </a:r>
+            <a:r>
+              <a:rPr lang="ko-KR" altLang="en-US" sz="1400" dirty="0" err="1" smtClean="0"/>
+              <a:t>할수</a:t>
+            </a:r>
+            <a:r>
+              <a:rPr lang="ko-KR" altLang="en-US" sz="1400" dirty="0" smtClean="0"/>
+              <a:t> 있는 </a:t>
+            </a:r>
+            <a:r>
+              <a:rPr lang="en-US" altLang="ko-KR" sz="1400" dirty="0" smtClean="0"/>
+              <a:t>subset graph</a:t>
+            </a:r>
           </a:p>
           <a:p>
             <a:pPr marL="285750" indent="-285750">
@@ -6345,122 +7237,1418 @@
               <a:buChar char="-"/>
             </a:pPr>
             <a:r>
-              <a:rPr lang="ko-KR" altLang="en-US" dirty="0"/>
-              <a:t>Tree </a:t>
-            </a:r>
-            <a:r>
-              <a:rPr lang="ko-KR" altLang="en-US" dirty="0" err="1"/>
-              <a:t>structure의</a:t>
-            </a:r>
-            <a:r>
-              <a:rPr lang="ko-KR" altLang="en-US" dirty="0"/>
-              <a:t> 기능은 </a:t>
-            </a:r>
-            <a:r>
-              <a:rPr lang="ko-KR" altLang="en-US" dirty="0" err="1"/>
-              <a:t>linked</a:t>
-            </a:r>
-            <a:r>
-              <a:rPr lang="ko-KR" altLang="en-US" dirty="0"/>
-              <a:t> </a:t>
-            </a:r>
-            <a:r>
-              <a:rPr lang="ko-KR" altLang="en-US" dirty="0" err="1"/>
-              <a:t>list로</a:t>
-            </a:r>
-            <a:r>
-              <a:rPr lang="ko-KR" altLang="en-US" dirty="0"/>
-              <a:t> </a:t>
-            </a:r>
-            <a:r>
-              <a:rPr lang="ko-KR" altLang="en-US" dirty="0" err="1"/>
-              <a:t>insert</a:t>
-            </a:r>
-            <a:r>
-              <a:rPr lang="ko-KR" altLang="en-US" dirty="0"/>
-              <a:t>, </a:t>
-            </a:r>
-            <a:r>
-              <a:rPr lang="ko-KR" altLang="en-US" dirty="0" err="1"/>
-              <a:t>delete</a:t>
-            </a:r>
-            <a:r>
-              <a:rPr lang="ko-KR" altLang="en-US" dirty="0"/>
-              <a:t>, </a:t>
-            </a:r>
-            <a:r>
-              <a:rPr lang="ko-KR" altLang="en-US" dirty="0" err="1"/>
-              <a:t>search이다</a:t>
-            </a:r>
-            <a:r>
-              <a:rPr lang="ko-KR" altLang="en-US" dirty="0"/>
-              <a:t>. </a:t>
-            </a:r>
-            <a:endParaRPr lang="en-US" altLang="ko-KR" dirty="0"/>
+              <a:rPr lang="en-US" altLang="ko-KR" sz="1400" dirty="0" smtClean="0"/>
+              <a:t>Complete graph : </a:t>
+            </a:r>
+            <a:r>
+              <a:rPr lang="ko-KR" altLang="en-US" sz="1400" dirty="0" smtClean="0"/>
+              <a:t>모든 </a:t>
+            </a:r>
+            <a:r>
+              <a:rPr lang="ko-KR" altLang="en-US" sz="1400" dirty="0" err="1" smtClean="0"/>
+              <a:t>노드들에</a:t>
+            </a:r>
+            <a:r>
+              <a:rPr lang="ko-KR" altLang="en-US" sz="1400" dirty="0" smtClean="0"/>
+              <a:t> 대해서 모든 </a:t>
+            </a:r>
+            <a:r>
+              <a:rPr lang="en-US" altLang="ko-KR" sz="1400" dirty="0" smtClean="0"/>
+              <a:t>path</a:t>
+            </a:r>
+            <a:r>
+              <a:rPr lang="ko-KR" altLang="en-US" sz="1400" dirty="0" smtClean="0"/>
+              <a:t>가 존재하는 </a:t>
+            </a:r>
+            <a:r>
+              <a:rPr lang="en-US" altLang="ko-KR" sz="1400" dirty="0" smtClean="0"/>
+              <a:t>graph</a:t>
+            </a:r>
           </a:p>
           <a:p>
             <a:pPr marL="285750" indent="-285750">
               <a:buFontTx/>
               <a:buChar char="-"/>
             </a:pPr>
-            <a:r>
-              <a:rPr lang="ko-KR" altLang="en-US" dirty="0"/>
-              <a:t>Tree의 특별한 접근이 있는데 모든 데 </a:t>
-            </a:r>
-            <a:r>
-              <a:rPr lang="ko-KR" altLang="en-US" dirty="0" err="1"/>
-              <a:t>이터를</a:t>
-            </a:r>
-            <a:r>
-              <a:rPr lang="ko-KR" altLang="en-US" dirty="0"/>
-              <a:t> </a:t>
-            </a:r>
-            <a:r>
-              <a:rPr lang="ko-KR" altLang="en-US" dirty="0" err="1"/>
-              <a:t>꺼내는것이</a:t>
-            </a:r>
-            <a:r>
-              <a:rPr lang="ko-KR" altLang="en-US" dirty="0"/>
-              <a:t> </a:t>
-            </a:r>
-            <a:r>
-              <a:rPr lang="ko-KR" altLang="en-US" dirty="0" err="1"/>
-              <a:t>traversing이다</a:t>
-            </a:r>
-            <a:r>
-              <a:rPr lang="ko-KR" altLang="en-US" dirty="0"/>
-              <a:t>. </a:t>
-            </a:r>
-            <a:endParaRPr lang="en-US" altLang="ko-KR" dirty="0"/>
-          </a:p>
+            <a:endParaRPr lang="ko-KR" altLang="en-US" sz="1400" dirty="0"/>
+          </a:p>
+        </p:txBody>
+      </p:sp>
+      <p:pic>
+        <p:nvPicPr>
+          <p:cNvPr id="5" name="그림 4"/>
+          <p:cNvPicPr>
+            <a:picLocks noChangeAspect="1"/>
+          </p:cNvPicPr>
+          <p:nvPr/>
+        </p:nvPicPr>
+        <p:blipFill>
+          <a:blip r:embed="rId2"/>
+          <a:stretch>
+            <a:fillRect/>
+          </a:stretch>
+        </p:blipFill>
+        <p:spPr>
+          <a:xfrm>
+            <a:off x="32083" y="1888657"/>
+            <a:ext cx="7491663" cy="3532176"/>
+          </a:xfrm>
+          <a:prstGeom prst="rect">
+            <a:avLst/>
+          </a:prstGeom>
+        </p:spPr>
+      </p:pic>
+    </p:spTree>
+    <p:extLst>
+      <p:ext uri="{BB962C8B-B14F-4D97-AF65-F5344CB8AC3E}">
+        <p14:creationId xmlns:p14="http://schemas.microsoft.com/office/powerpoint/2010/main" val="1412398302"/>
+      </p:ext>
+    </p:extLst>
+  </p:cSld>
+  <p:clrMapOvr>
+    <a:masterClrMapping/>
+  </p:clrMapOvr>
+</p:sld>
+</file>
+
+<file path=ppt/slides/slide5.xml><?xml version="1.0" encoding="utf-8"?>
+<p:sld xmlns:a="http://schemas.openxmlformats.org/drawingml/2006/main" xmlns:r="http://schemas.openxmlformats.org/officeDocument/2006/relationships" xmlns:p="http://schemas.openxmlformats.org/presentationml/2006/main">
+  <p:cSld>
+    <p:spTree>
+      <p:nvGrpSpPr>
+        <p:cNvPr id="1" name=""/>
+        <p:cNvGrpSpPr/>
+        <p:nvPr/>
+      </p:nvGrpSpPr>
+      <p:grpSpPr>
+        <a:xfrm>
+          <a:off x="0" y="0"/>
+          <a:ext cx="0" cy="0"/>
+          <a:chOff x="0" y="0"/>
+          <a:chExt cx="0" cy="0"/>
+        </a:xfrm>
+      </p:grpSpPr>
+      <p:sp>
+        <p:nvSpPr>
+          <p:cNvPr id="2" name="제목 1">
+            <a:extLst>
+              <a:ext uri="{FF2B5EF4-FFF2-40B4-BE49-F238E27FC236}">
+                <a16:creationId xmlns:a16="http://schemas.microsoft.com/office/drawing/2014/main" xmlns="" id="{2EC833C6-FAC3-442B-803D-3FB02DF07980}"/>
+              </a:ext>
+            </a:extLst>
+          </p:cNvPr>
+          <p:cNvSpPr>
+            <a:spLocks noGrp="1"/>
+          </p:cNvSpPr>
+          <p:nvPr>
+            <p:ph type="title"/>
+          </p:nvPr>
+        </p:nvSpPr>
+        <p:spPr>
+          <a:xfrm>
+            <a:off x="677334" y="609600"/>
+            <a:ext cx="8596668" cy="517864"/>
+          </a:xfrm>
+        </p:spPr>
+        <p:txBody>
+          <a:bodyPr>
+            <a:normAutofit fontScale="90000"/>
+          </a:bodyPr>
+          <a:lstStyle/>
+          <a:p>
+            <a:r>
+              <a:rPr lang="en-US" altLang="ko-KR" dirty="0" smtClean="0"/>
+              <a:t>1. </a:t>
+            </a:r>
+            <a:r>
+              <a:rPr lang="en-US" altLang="ko-KR" dirty="0" smtClean="0"/>
+              <a:t>Graph</a:t>
+            </a:r>
+            <a:endParaRPr lang="ko-KR" altLang="en-US" dirty="0"/>
+          </a:p>
+        </p:txBody>
+      </p:sp>
+      <p:sp>
+        <p:nvSpPr>
+          <p:cNvPr id="4" name="제목 1">
+            <a:extLst>
+              <a:ext uri="{FF2B5EF4-FFF2-40B4-BE49-F238E27FC236}">
+                <a16:creationId xmlns:a16="http://schemas.microsoft.com/office/drawing/2014/main" xmlns="" id="{824331F3-9831-4A24-AC95-4771B0BCE333}"/>
+              </a:ext>
+            </a:extLst>
+          </p:cNvPr>
+          <p:cNvSpPr txBox="1">
+            <a:spLocks/>
+          </p:cNvSpPr>
+          <p:nvPr/>
+        </p:nvSpPr>
+        <p:spPr>
+          <a:xfrm>
+            <a:off x="1307647" y="1180730"/>
+            <a:ext cx="8022783" cy="436518"/>
+          </a:xfrm>
+          <a:prstGeom prst="rect">
+            <a:avLst/>
+          </a:prstGeom>
+        </p:spPr>
+        <p:txBody>
+          <a:bodyPr vert="horz" lIns="91440" tIns="45720" rIns="91440" bIns="45720" rtlCol="0" anchor="t">
+            <a:normAutofit lnSpcReduction="10000"/>
+          </a:bodyPr>
+          <a:lstStyle>
+            <a:lvl1pPr algn="l" defTabSz="457200" rtl="0" eaLnBrk="1" latinLnBrk="1" hangingPunct="1">
+              <a:spcBef>
+                <a:spcPct val="0"/>
+              </a:spcBef>
+              <a:buNone/>
+              <a:defRPr sz="3600" kern="1200">
+                <a:solidFill>
+                  <a:schemeClr val="accent1"/>
+                </a:solidFill>
+                <a:latin typeface="+mj-lt"/>
+                <a:ea typeface="+mj-ea"/>
+                <a:cs typeface="+mj-cs"/>
+              </a:defRPr>
+            </a:lvl1pPr>
+            <a:lvl2pPr eaLnBrk="1" latinLnBrk="1" hangingPunct="1">
+              <a:defRPr>
+                <a:solidFill>
+                  <a:schemeClr val="tx2"/>
+                </a:solidFill>
+              </a:defRPr>
+            </a:lvl2pPr>
+            <a:lvl3pPr eaLnBrk="1" latinLnBrk="1" hangingPunct="1">
+              <a:defRPr>
+                <a:solidFill>
+                  <a:schemeClr val="tx2"/>
+                </a:solidFill>
+              </a:defRPr>
+            </a:lvl3pPr>
+            <a:lvl4pPr eaLnBrk="1" latinLnBrk="1" hangingPunct="1">
+              <a:defRPr>
+                <a:solidFill>
+                  <a:schemeClr val="tx2"/>
+                </a:solidFill>
+              </a:defRPr>
+            </a:lvl4pPr>
+            <a:lvl5pPr eaLnBrk="1" latinLnBrk="1" hangingPunct="1">
+              <a:defRPr>
+                <a:solidFill>
+                  <a:schemeClr val="tx2"/>
+                </a:solidFill>
+              </a:defRPr>
+            </a:lvl5pPr>
+            <a:lvl6pPr eaLnBrk="1" latinLnBrk="1" hangingPunct="1">
+              <a:defRPr>
+                <a:solidFill>
+                  <a:schemeClr val="tx2"/>
+                </a:solidFill>
+              </a:defRPr>
+            </a:lvl6pPr>
+            <a:lvl7pPr eaLnBrk="1" latinLnBrk="1" hangingPunct="1">
+              <a:defRPr>
+                <a:solidFill>
+                  <a:schemeClr val="tx2"/>
+                </a:solidFill>
+              </a:defRPr>
+            </a:lvl7pPr>
+            <a:lvl8pPr eaLnBrk="1" latinLnBrk="1" hangingPunct="1">
+              <a:defRPr>
+                <a:solidFill>
+                  <a:schemeClr val="tx2"/>
+                </a:solidFill>
+              </a:defRPr>
+            </a:lvl8pPr>
+            <a:lvl9pPr eaLnBrk="1" latinLnBrk="1" hangingPunct="1">
+              <a:defRPr>
+                <a:solidFill>
+                  <a:schemeClr val="tx2"/>
+                </a:solidFill>
+              </a:defRPr>
+            </a:lvl9pPr>
+          </a:lstStyle>
+          <a:p>
+            <a:r>
+              <a:rPr lang="en-US" altLang="ko-KR" sz="2400" dirty="0" smtClean="0"/>
+              <a:t>Graph terminology</a:t>
+            </a:r>
+            <a:endParaRPr lang="en-US" altLang="ko-KR" sz="2400" dirty="0"/>
+          </a:p>
+        </p:txBody>
+      </p:sp>
+      <p:sp>
+        <p:nvSpPr>
+          <p:cNvPr id="6" name="직사각형 5">
+            <a:extLst>
+              <a:ext uri="{FF2B5EF4-FFF2-40B4-BE49-F238E27FC236}">
+                <a16:creationId xmlns:a16="http://schemas.microsoft.com/office/drawing/2014/main" xmlns="" id="{6A60F032-B172-43E0-B147-16329887DE8F}"/>
+              </a:ext>
+            </a:extLst>
+          </p:cNvPr>
+          <p:cNvSpPr/>
+          <p:nvPr/>
+        </p:nvSpPr>
+        <p:spPr>
+          <a:xfrm>
+            <a:off x="7620874" y="2196693"/>
+            <a:ext cx="4470512" cy="1169551"/>
+          </a:xfrm>
+          <a:prstGeom prst="rect">
+            <a:avLst/>
+          </a:prstGeom>
+        </p:spPr>
+        <p:txBody>
+          <a:bodyPr wrap="square">
+            <a:spAutoFit/>
+          </a:bodyPr>
+          <a:lstStyle/>
           <a:p>
             <a:pPr marL="285750" indent="-285750">
               <a:buFontTx/>
               <a:buChar char="-"/>
             </a:pPr>
             <a:r>
-              <a:rPr lang="ko-KR" altLang="en-US" dirty="0" err="1"/>
-              <a:t>Liked</a:t>
-            </a:r>
-            <a:r>
-              <a:rPr lang="ko-KR" altLang="en-US" dirty="0"/>
-              <a:t> </a:t>
-            </a:r>
-            <a:r>
-              <a:rPr lang="ko-KR" altLang="en-US" dirty="0" err="1"/>
-              <a:t>list랑은</a:t>
-            </a:r>
-            <a:r>
-              <a:rPr lang="ko-KR" altLang="en-US" dirty="0"/>
-              <a:t> 다르다.</a:t>
-            </a:r>
-          </a:p>
-        </p:txBody>
-      </p:sp>
+              <a:rPr lang="en-US" altLang="ko-KR" sz="1400" dirty="0" smtClean="0"/>
+              <a:t>Cycle : </a:t>
+            </a:r>
+            <a:r>
+              <a:rPr lang="ko-KR" altLang="en-US" sz="1400" dirty="0" smtClean="0"/>
+              <a:t>어떤 </a:t>
+            </a:r>
+            <a:r>
+              <a:rPr lang="ko-KR" altLang="en-US" sz="1400" dirty="0" err="1" smtClean="0"/>
+              <a:t>노드에서</a:t>
+            </a:r>
+            <a:r>
+              <a:rPr lang="ko-KR" altLang="en-US" sz="1400" dirty="0" smtClean="0"/>
+              <a:t> 시작해서 그것과 동일한 </a:t>
+            </a:r>
+            <a:r>
+              <a:rPr lang="ko-KR" altLang="en-US" sz="1400" dirty="0" err="1" smtClean="0"/>
+              <a:t>노드에서</a:t>
+            </a:r>
+            <a:r>
+              <a:rPr lang="ko-KR" altLang="en-US" sz="1400" dirty="0" smtClean="0"/>
+              <a:t> 끝나는 것</a:t>
+            </a:r>
+            <a:r>
+              <a:rPr lang="en-US" altLang="ko-KR" sz="1400" dirty="0" smtClean="0"/>
+              <a:t>.</a:t>
+            </a:r>
+          </a:p>
+          <a:p>
+            <a:pPr marL="285750" indent="-285750">
+              <a:buFontTx/>
+              <a:buChar char="-"/>
+            </a:pPr>
+            <a:r>
+              <a:rPr lang="en-US" altLang="ko-KR" sz="1400" dirty="0" smtClean="0"/>
+              <a:t>Directed edge : </a:t>
+            </a:r>
+            <a:r>
+              <a:rPr lang="ko-KR" altLang="en-US" sz="1400" dirty="0" smtClean="0"/>
+              <a:t>방향성이 존재하는 </a:t>
+            </a:r>
+            <a:r>
+              <a:rPr lang="en-US" altLang="ko-KR" sz="1400" dirty="0" smtClean="0"/>
+              <a:t>edge</a:t>
+            </a:r>
+          </a:p>
+          <a:p>
+            <a:pPr marL="285750" indent="-285750">
+              <a:buFontTx/>
+              <a:buChar char="-"/>
+            </a:pPr>
+            <a:r>
+              <a:rPr lang="en-US" altLang="ko-KR" sz="1400" dirty="0" smtClean="0"/>
+              <a:t>Digraph : Cycle</a:t>
+            </a:r>
+            <a:r>
+              <a:rPr lang="ko-KR" altLang="en-US" sz="1400" dirty="0" smtClean="0"/>
+              <a:t>이 있는 </a:t>
+            </a:r>
+            <a:r>
+              <a:rPr lang="en-US" altLang="ko-KR" sz="1400" dirty="0" smtClean="0"/>
+              <a:t>directed graph</a:t>
+            </a:r>
+          </a:p>
+          <a:p>
+            <a:pPr marL="285750" indent="-285750">
+              <a:buFontTx/>
+              <a:buChar char="-"/>
+            </a:pPr>
+            <a:r>
+              <a:rPr lang="en-US" altLang="ko-KR" sz="1400" dirty="0" smtClean="0"/>
+              <a:t>GAG : Cycle</a:t>
+            </a:r>
+            <a:r>
+              <a:rPr lang="ko-KR" altLang="en-US" sz="1400" dirty="0" smtClean="0"/>
+              <a:t>이 없는 </a:t>
+            </a:r>
+            <a:r>
+              <a:rPr lang="en-US" altLang="ko-KR" sz="1400" dirty="0" smtClean="0"/>
+              <a:t>directed graph</a:t>
+            </a:r>
+            <a:endParaRPr lang="ko-KR" altLang="en-US" sz="1400" dirty="0"/>
+          </a:p>
+        </p:txBody>
+      </p:sp>
+      <p:pic>
+        <p:nvPicPr>
+          <p:cNvPr id="3" name="그림 2"/>
+          <p:cNvPicPr>
+            <a:picLocks noChangeAspect="1"/>
+          </p:cNvPicPr>
+          <p:nvPr/>
+        </p:nvPicPr>
+        <p:blipFill>
+          <a:blip r:embed="rId2"/>
+          <a:stretch>
+            <a:fillRect/>
+          </a:stretch>
+        </p:blipFill>
+        <p:spPr>
+          <a:xfrm>
+            <a:off x="128336" y="2196693"/>
+            <a:ext cx="7395411" cy="3387439"/>
+          </a:xfrm>
+          <a:prstGeom prst="rect">
+            <a:avLst/>
+          </a:prstGeom>
+        </p:spPr>
+      </p:pic>
     </p:spTree>
     <p:extLst>
       <p:ext uri="{BB962C8B-B14F-4D97-AF65-F5344CB8AC3E}">
-        <p14:creationId xmlns:p14="http://schemas.microsoft.com/office/powerpoint/2010/main" val="1601435718"/>
+        <p14:creationId xmlns:p14="http://schemas.microsoft.com/office/powerpoint/2010/main" val="2418952390"/>
+      </p:ext>
+    </p:extLst>
+  </p:cSld>
+  <p:clrMapOvr>
+    <a:masterClrMapping/>
+  </p:clrMapOvr>
+</p:sld>
+</file>
+
+<file path=ppt/slides/slide6.xml><?xml version="1.0" encoding="utf-8"?>
+<p:sld xmlns:a="http://schemas.openxmlformats.org/drawingml/2006/main" xmlns:r="http://schemas.openxmlformats.org/officeDocument/2006/relationships" xmlns:p="http://schemas.openxmlformats.org/presentationml/2006/main">
+  <p:cSld>
+    <p:spTree>
+      <p:nvGrpSpPr>
+        <p:cNvPr id="1" name=""/>
+        <p:cNvGrpSpPr/>
+        <p:nvPr/>
+      </p:nvGrpSpPr>
+      <p:grpSpPr>
+        <a:xfrm>
+          <a:off x="0" y="0"/>
+          <a:ext cx="0" cy="0"/>
+          <a:chOff x="0" y="0"/>
+          <a:chExt cx="0" cy="0"/>
+        </a:xfrm>
+      </p:grpSpPr>
+      <p:sp>
+        <p:nvSpPr>
+          <p:cNvPr id="2" name="제목 1">
+            <a:extLst>
+              <a:ext uri="{FF2B5EF4-FFF2-40B4-BE49-F238E27FC236}">
+                <a16:creationId xmlns:a16="http://schemas.microsoft.com/office/drawing/2014/main" xmlns="" id="{2EC833C6-FAC3-442B-803D-3FB02DF07980}"/>
+              </a:ext>
+            </a:extLst>
+          </p:cNvPr>
+          <p:cNvSpPr>
+            <a:spLocks noGrp="1"/>
+          </p:cNvSpPr>
+          <p:nvPr>
+            <p:ph type="title"/>
+          </p:nvPr>
+        </p:nvSpPr>
+        <p:spPr>
+          <a:xfrm>
+            <a:off x="677334" y="609600"/>
+            <a:ext cx="8596668" cy="517864"/>
+          </a:xfrm>
+        </p:spPr>
+        <p:txBody>
+          <a:bodyPr>
+            <a:normAutofit fontScale="90000"/>
+          </a:bodyPr>
+          <a:lstStyle/>
+          <a:p>
+            <a:r>
+              <a:rPr lang="en-US" altLang="ko-KR" dirty="0" smtClean="0"/>
+              <a:t>1. </a:t>
+            </a:r>
+            <a:r>
+              <a:rPr lang="en-US" altLang="ko-KR" dirty="0" smtClean="0"/>
+              <a:t>Graph</a:t>
+            </a:r>
+            <a:endParaRPr lang="ko-KR" altLang="en-US" dirty="0"/>
+          </a:p>
+        </p:txBody>
+      </p:sp>
+      <p:sp>
+        <p:nvSpPr>
+          <p:cNvPr id="4" name="제목 1">
+            <a:extLst>
+              <a:ext uri="{FF2B5EF4-FFF2-40B4-BE49-F238E27FC236}">
+                <a16:creationId xmlns:a16="http://schemas.microsoft.com/office/drawing/2014/main" xmlns="" id="{824331F3-9831-4A24-AC95-4771B0BCE333}"/>
+              </a:ext>
+            </a:extLst>
+          </p:cNvPr>
+          <p:cNvSpPr txBox="1">
+            <a:spLocks/>
+          </p:cNvSpPr>
+          <p:nvPr/>
+        </p:nvSpPr>
+        <p:spPr>
+          <a:xfrm>
+            <a:off x="1307647" y="1180730"/>
+            <a:ext cx="8022783" cy="436518"/>
+          </a:xfrm>
+          <a:prstGeom prst="rect">
+            <a:avLst/>
+          </a:prstGeom>
+        </p:spPr>
+        <p:txBody>
+          <a:bodyPr vert="horz" lIns="91440" tIns="45720" rIns="91440" bIns="45720" rtlCol="0" anchor="t">
+            <a:normAutofit lnSpcReduction="10000"/>
+          </a:bodyPr>
+          <a:lstStyle>
+            <a:lvl1pPr algn="l" defTabSz="457200" rtl="0" eaLnBrk="1" latinLnBrk="1" hangingPunct="1">
+              <a:spcBef>
+                <a:spcPct val="0"/>
+              </a:spcBef>
+              <a:buNone/>
+              <a:defRPr sz="3600" kern="1200">
+                <a:solidFill>
+                  <a:schemeClr val="accent1"/>
+                </a:solidFill>
+                <a:latin typeface="+mj-lt"/>
+                <a:ea typeface="+mj-ea"/>
+                <a:cs typeface="+mj-cs"/>
+              </a:defRPr>
+            </a:lvl1pPr>
+            <a:lvl2pPr eaLnBrk="1" latinLnBrk="1" hangingPunct="1">
+              <a:defRPr>
+                <a:solidFill>
+                  <a:schemeClr val="tx2"/>
+                </a:solidFill>
+              </a:defRPr>
+            </a:lvl2pPr>
+            <a:lvl3pPr eaLnBrk="1" latinLnBrk="1" hangingPunct="1">
+              <a:defRPr>
+                <a:solidFill>
+                  <a:schemeClr val="tx2"/>
+                </a:solidFill>
+              </a:defRPr>
+            </a:lvl3pPr>
+            <a:lvl4pPr eaLnBrk="1" latinLnBrk="1" hangingPunct="1">
+              <a:defRPr>
+                <a:solidFill>
+                  <a:schemeClr val="tx2"/>
+                </a:solidFill>
+              </a:defRPr>
+            </a:lvl4pPr>
+            <a:lvl5pPr eaLnBrk="1" latinLnBrk="1" hangingPunct="1">
+              <a:defRPr>
+                <a:solidFill>
+                  <a:schemeClr val="tx2"/>
+                </a:solidFill>
+              </a:defRPr>
+            </a:lvl5pPr>
+            <a:lvl6pPr eaLnBrk="1" latinLnBrk="1" hangingPunct="1">
+              <a:defRPr>
+                <a:solidFill>
+                  <a:schemeClr val="tx2"/>
+                </a:solidFill>
+              </a:defRPr>
+            </a:lvl6pPr>
+            <a:lvl7pPr eaLnBrk="1" latinLnBrk="1" hangingPunct="1">
+              <a:defRPr>
+                <a:solidFill>
+                  <a:schemeClr val="tx2"/>
+                </a:solidFill>
+              </a:defRPr>
+            </a:lvl7pPr>
+            <a:lvl8pPr eaLnBrk="1" latinLnBrk="1" hangingPunct="1">
+              <a:defRPr>
+                <a:solidFill>
+                  <a:schemeClr val="tx2"/>
+                </a:solidFill>
+              </a:defRPr>
+            </a:lvl8pPr>
+            <a:lvl9pPr eaLnBrk="1" latinLnBrk="1" hangingPunct="1">
+              <a:defRPr>
+                <a:solidFill>
+                  <a:schemeClr val="tx2"/>
+                </a:solidFill>
+              </a:defRPr>
+            </a:lvl9pPr>
+          </a:lstStyle>
+          <a:p>
+            <a:r>
+              <a:rPr lang="en-US" altLang="ko-KR" sz="2400" dirty="0" smtClean="0"/>
+              <a:t>Graph terminology</a:t>
+            </a:r>
+            <a:endParaRPr lang="en-US" altLang="ko-KR" sz="2400" dirty="0"/>
+          </a:p>
+        </p:txBody>
+      </p:sp>
+      <p:sp>
+        <p:nvSpPr>
+          <p:cNvPr id="6" name="직사각형 5">
+            <a:extLst>
+              <a:ext uri="{FF2B5EF4-FFF2-40B4-BE49-F238E27FC236}">
+                <a16:creationId xmlns:a16="http://schemas.microsoft.com/office/drawing/2014/main" xmlns="" id="{6A60F032-B172-43E0-B147-16329887DE8F}"/>
+              </a:ext>
+            </a:extLst>
+          </p:cNvPr>
+          <p:cNvSpPr/>
+          <p:nvPr/>
+        </p:nvSpPr>
+        <p:spPr>
+          <a:xfrm>
+            <a:off x="7620874" y="2196693"/>
+            <a:ext cx="4470512" cy="1815882"/>
+          </a:xfrm>
+          <a:prstGeom prst="rect">
+            <a:avLst/>
+          </a:prstGeom>
+        </p:spPr>
+        <p:txBody>
+          <a:bodyPr wrap="square">
+            <a:spAutoFit/>
+          </a:bodyPr>
+          <a:lstStyle/>
+          <a:p>
+            <a:pPr marL="285750" indent="-285750">
+              <a:buFontTx/>
+              <a:buChar char="-"/>
+            </a:pPr>
+            <a:r>
+              <a:rPr lang="en-US" altLang="ko-KR" sz="1400" dirty="0" smtClean="0"/>
+              <a:t>Adjacent, neighbor : </a:t>
+            </a:r>
+            <a:r>
+              <a:rPr lang="ko-KR" altLang="en-US" sz="1400" dirty="0" smtClean="0"/>
+              <a:t>서로 </a:t>
+            </a:r>
+            <a:r>
+              <a:rPr lang="en-US" altLang="ko-KR" sz="1400" dirty="0" smtClean="0"/>
+              <a:t>edge</a:t>
+            </a:r>
+            <a:r>
+              <a:rPr lang="ko-KR" altLang="en-US" sz="1400" dirty="0" smtClean="0"/>
+              <a:t>로 묶여 있는 것</a:t>
+            </a:r>
+            <a:endParaRPr lang="en-US" altLang="ko-KR" sz="1400" dirty="0" smtClean="0"/>
+          </a:p>
+          <a:p>
+            <a:pPr marL="285750" indent="-285750">
+              <a:buFontTx/>
+              <a:buChar char="-"/>
+            </a:pPr>
+            <a:r>
+              <a:rPr lang="en-US" altLang="ko-KR" sz="1400" dirty="0" smtClean="0"/>
+              <a:t>Path : </a:t>
+            </a:r>
+            <a:r>
+              <a:rPr lang="ko-KR" altLang="en-US" sz="1400" dirty="0" smtClean="0"/>
+              <a:t>특정한 </a:t>
+            </a:r>
+            <a:r>
+              <a:rPr lang="ko-KR" altLang="en-US" sz="1400" dirty="0" err="1" smtClean="0"/>
+              <a:t>노드에서</a:t>
+            </a:r>
+            <a:r>
+              <a:rPr lang="ko-KR" altLang="en-US" sz="1400" dirty="0" smtClean="0"/>
+              <a:t> 다른 </a:t>
+            </a:r>
+            <a:r>
+              <a:rPr lang="ko-KR" altLang="en-US" sz="1400" dirty="0" err="1" smtClean="0"/>
+              <a:t>노드로</a:t>
+            </a:r>
+            <a:r>
+              <a:rPr lang="ko-KR" altLang="en-US" sz="1400" dirty="0" smtClean="0"/>
+              <a:t> 가는 길</a:t>
+            </a:r>
+            <a:endParaRPr lang="en-US" altLang="ko-KR" sz="1400" dirty="0" smtClean="0"/>
+          </a:p>
+          <a:p>
+            <a:pPr marL="285750" indent="-285750">
+              <a:buFontTx/>
+              <a:buChar char="-"/>
+            </a:pPr>
+            <a:r>
+              <a:rPr lang="en-US" altLang="ko-KR" sz="1400" dirty="0" smtClean="0"/>
+              <a:t>Connected graph : </a:t>
+            </a:r>
+            <a:r>
+              <a:rPr lang="ko-KR" altLang="en-US" sz="1400" dirty="0" smtClean="0"/>
+              <a:t>모든 </a:t>
+            </a:r>
+            <a:r>
+              <a:rPr lang="ko-KR" altLang="en-US" sz="1400" dirty="0" err="1" smtClean="0"/>
+              <a:t>노드들이</a:t>
+            </a:r>
+            <a:r>
+              <a:rPr lang="ko-KR" altLang="en-US" sz="1400" dirty="0" smtClean="0"/>
+              <a:t> 연결된 </a:t>
+            </a:r>
+            <a:r>
+              <a:rPr lang="en-US" altLang="ko-KR" sz="1400" dirty="0" smtClean="0"/>
+              <a:t>Graph</a:t>
+            </a:r>
+          </a:p>
+          <a:p>
+            <a:pPr marL="285750" indent="-285750">
+              <a:buFontTx/>
+              <a:buChar char="-"/>
+            </a:pPr>
+            <a:r>
+              <a:rPr lang="en-US" altLang="ko-KR" sz="1400" dirty="0" smtClean="0"/>
+              <a:t>Connected component :  path</a:t>
+            </a:r>
+            <a:r>
+              <a:rPr lang="ko-KR" altLang="en-US" sz="1400" dirty="0" smtClean="0"/>
+              <a:t>를 </a:t>
+            </a:r>
+            <a:r>
+              <a:rPr lang="en-US" altLang="ko-KR" sz="1400" dirty="0" smtClean="0"/>
+              <a:t>planning </a:t>
+            </a:r>
+            <a:r>
+              <a:rPr lang="ko-KR" altLang="en-US" sz="1400" dirty="0" err="1" smtClean="0"/>
+              <a:t>할수</a:t>
+            </a:r>
+            <a:r>
+              <a:rPr lang="ko-KR" altLang="en-US" sz="1400" dirty="0" smtClean="0"/>
+              <a:t> 있는 </a:t>
+            </a:r>
+            <a:r>
+              <a:rPr lang="en-US" altLang="ko-KR" sz="1400" dirty="0" smtClean="0"/>
+              <a:t>subset graph</a:t>
+            </a:r>
+          </a:p>
+          <a:p>
+            <a:pPr marL="285750" indent="-285750">
+              <a:buFontTx/>
+              <a:buChar char="-"/>
+            </a:pPr>
+            <a:r>
+              <a:rPr lang="en-US" altLang="ko-KR" sz="1400" dirty="0" smtClean="0"/>
+              <a:t>Complete graph : </a:t>
+            </a:r>
+            <a:r>
+              <a:rPr lang="ko-KR" altLang="en-US" sz="1400" dirty="0" smtClean="0"/>
+              <a:t>모든 </a:t>
+            </a:r>
+            <a:r>
+              <a:rPr lang="ko-KR" altLang="en-US" sz="1400" dirty="0" err="1" smtClean="0"/>
+              <a:t>노드들에</a:t>
+            </a:r>
+            <a:r>
+              <a:rPr lang="ko-KR" altLang="en-US" sz="1400" dirty="0" smtClean="0"/>
+              <a:t> 대해서 모든 </a:t>
+            </a:r>
+            <a:r>
+              <a:rPr lang="en-US" altLang="ko-KR" sz="1400" dirty="0" smtClean="0"/>
+              <a:t>path</a:t>
+            </a:r>
+            <a:r>
+              <a:rPr lang="ko-KR" altLang="en-US" sz="1400" dirty="0" smtClean="0"/>
+              <a:t>가 존재하는 </a:t>
+            </a:r>
+            <a:r>
+              <a:rPr lang="en-US" altLang="ko-KR" sz="1400" dirty="0" smtClean="0"/>
+              <a:t>graph</a:t>
+            </a:r>
+          </a:p>
+          <a:p>
+            <a:pPr marL="285750" indent="-285750">
+              <a:buFontTx/>
+              <a:buChar char="-"/>
+            </a:pPr>
+            <a:endParaRPr lang="ko-KR" altLang="en-US" sz="1400" dirty="0"/>
+          </a:p>
+        </p:txBody>
+      </p:sp>
+    </p:spTree>
+    <p:extLst>
+      <p:ext uri="{BB962C8B-B14F-4D97-AF65-F5344CB8AC3E}">
+        <p14:creationId xmlns:p14="http://schemas.microsoft.com/office/powerpoint/2010/main" val="1463298934"/>
+      </p:ext>
+    </p:extLst>
+  </p:cSld>
+  <p:clrMapOvr>
+    <a:masterClrMapping/>
+  </p:clrMapOvr>
+</p:sld>
+</file>
+
+<file path=ppt/slides/slide7.xml><?xml version="1.0" encoding="utf-8"?>
+<p:sld xmlns:a="http://schemas.openxmlformats.org/drawingml/2006/main" xmlns:r="http://schemas.openxmlformats.org/officeDocument/2006/relationships" xmlns:p="http://schemas.openxmlformats.org/presentationml/2006/main">
+  <p:cSld>
+    <p:spTree>
+      <p:nvGrpSpPr>
+        <p:cNvPr id="1" name=""/>
+        <p:cNvGrpSpPr/>
+        <p:nvPr/>
+      </p:nvGrpSpPr>
+      <p:grpSpPr>
+        <a:xfrm>
+          <a:off x="0" y="0"/>
+          <a:ext cx="0" cy="0"/>
+          <a:chOff x="0" y="0"/>
+          <a:chExt cx="0" cy="0"/>
+        </a:xfrm>
+      </p:grpSpPr>
+      <p:sp>
+        <p:nvSpPr>
+          <p:cNvPr id="2" name="제목 1">
+            <a:extLst>
+              <a:ext uri="{FF2B5EF4-FFF2-40B4-BE49-F238E27FC236}">
+                <a16:creationId xmlns:a16="http://schemas.microsoft.com/office/drawing/2014/main" xmlns="" id="{2EC833C6-FAC3-442B-803D-3FB02DF07980}"/>
+              </a:ext>
+            </a:extLst>
+          </p:cNvPr>
+          <p:cNvSpPr>
+            <a:spLocks noGrp="1"/>
+          </p:cNvSpPr>
+          <p:nvPr>
+            <p:ph type="title"/>
+          </p:nvPr>
+        </p:nvSpPr>
+        <p:spPr>
+          <a:xfrm>
+            <a:off x="677334" y="609600"/>
+            <a:ext cx="8596668" cy="517864"/>
+          </a:xfrm>
+        </p:spPr>
+        <p:txBody>
+          <a:bodyPr>
+            <a:normAutofit fontScale="90000"/>
+          </a:bodyPr>
+          <a:lstStyle/>
+          <a:p>
+            <a:r>
+              <a:rPr lang="en-US" altLang="ko-KR" dirty="0" smtClean="0"/>
+              <a:t>2. </a:t>
+            </a:r>
+            <a:r>
+              <a:rPr lang="en-US" altLang="ko-KR" dirty="0"/>
+              <a:t>Representation of graph</a:t>
+            </a:r>
+            <a:endParaRPr lang="ko-KR" altLang="en-US" dirty="0"/>
+          </a:p>
+        </p:txBody>
+      </p:sp>
+      <p:sp>
+        <p:nvSpPr>
+          <p:cNvPr id="4" name="제목 1">
+            <a:extLst>
+              <a:ext uri="{FF2B5EF4-FFF2-40B4-BE49-F238E27FC236}">
+                <a16:creationId xmlns:a16="http://schemas.microsoft.com/office/drawing/2014/main" xmlns="" id="{824331F3-9831-4A24-AC95-4771B0BCE333}"/>
+              </a:ext>
+            </a:extLst>
+          </p:cNvPr>
+          <p:cNvSpPr txBox="1">
+            <a:spLocks/>
+          </p:cNvSpPr>
+          <p:nvPr/>
+        </p:nvSpPr>
+        <p:spPr>
+          <a:xfrm>
+            <a:off x="1307647" y="1180730"/>
+            <a:ext cx="8022783" cy="436518"/>
+          </a:xfrm>
+          <a:prstGeom prst="rect">
+            <a:avLst/>
+          </a:prstGeom>
+        </p:spPr>
+        <p:txBody>
+          <a:bodyPr vert="horz" lIns="91440" tIns="45720" rIns="91440" bIns="45720" rtlCol="0" anchor="t">
+            <a:normAutofit lnSpcReduction="10000"/>
+          </a:bodyPr>
+          <a:lstStyle>
+            <a:lvl1pPr algn="l" defTabSz="457200" rtl="0" eaLnBrk="1" latinLnBrk="1" hangingPunct="1">
+              <a:spcBef>
+                <a:spcPct val="0"/>
+              </a:spcBef>
+              <a:buNone/>
+              <a:defRPr sz="3600" kern="1200">
+                <a:solidFill>
+                  <a:schemeClr val="accent1"/>
+                </a:solidFill>
+                <a:latin typeface="+mj-lt"/>
+                <a:ea typeface="+mj-ea"/>
+                <a:cs typeface="+mj-cs"/>
+              </a:defRPr>
+            </a:lvl1pPr>
+            <a:lvl2pPr eaLnBrk="1" latinLnBrk="1" hangingPunct="1">
+              <a:defRPr>
+                <a:solidFill>
+                  <a:schemeClr val="tx2"/>
+                </a:solidFill>
+              </a:defRPr>
+            </a:lvl2pPr>
+            <a:lvl3pPr eaLnBrk="1" latinLnBrk="1" hangingPunct="1">
+              <a:defRPr>
+                <a:solidFill>
+                  <a:schemeClr val="tx2"/>
+                </a:solidFill>
+              </a:defRPr>
+            </a:lvl3pPr>
+            <a:lvl4pPr eaLnBrk="1" latinLnBrk="1" hangingPunct="1">
+              <a:defRPr>
+                <a:solidFill>
+                  <a:schemeClr val="tx2"/>
+                </a:solidFill>
+              </a:defRPr>
+            </a:lvl4pPr>
+            <a:lvl5pPr eaLnBrk="1" latinLnBrk="1" hangingPunct="1">
+              <a:defRPr>
+                <a:solidFill>
+                  <a:schemeClr val="tx2"/>
+                </a:solidFill>
+              </a:defRPr>
+            </a:lvl5pPr>
+            <a:lvl6pPr eaLnBrk="1" latinLnBrk="1" hangingPunct="1">
+              <a:defRPr>
+                <a:solidFill>
+                  <a:schemeClr val="tx2"/>
+                </a:solidFill>
+              </a:defRPr>
+            </a:lvl6pPr>
+            <a:lvl7pPr eaLnBrk="1" latinLnBrk="1" hangingPunct="1">
+              <a:defRPr>
+                <a:solidFill>
+                  <a:schemeClr val="tx2"/>
+                </a:solidFill>
+              </a:defRPr>
+            </a:lvl7pPr>
+            <a:lvl8pPr eaLnBrk="1" latinLnBrk="1" hangingPunct="1">
+              <a:defRPr>
+                <a:solidFill>
+                  <a:schemeClr val="tx2"/>
+                </a:solidFill>
+              </a:defRPr>
+            </a:lvl8pPr>
+            <a:lvl9pPr eaLnBrk="1" latinLnBrk="1" hangingPunct="1">
+              <a:defRPr>
+                <a:solidFill>
+                  <a:schemeClr val="tx2"/>
+                </a:solidFill>
+              </a:defRPr>
+            </a:lvl9pPr>
+          </a:lstStyle>
+          <a:p>
+            <a:r>
+              <a:rPr lang="en-US" altLang="ko-KR" sz="2400" dirty="0" err="1" smtClean="0"/>
+              <a:t>T</a:t>
+            </a:r>
+            <a:r>
+              <a:rPr lang="en-US" altLang="ko-KR" sz="2400" dirty="0" err="1" smtClean="0"/>
+              <a:t>sdafasdf</a:t>
+            </a:r>
+            <a:endParaRPr lang="en-US" altLang="ko-KR" sz="2400" dirty="0"/>
+          </a:p>
+        </p:txBody>
+      </p:sp>
+      <p:sp>
+        <p:nvSpPr>
+          <p:cNvPr id="6" name="직사각형 5">
+            <a:extLst>
+              <a:ext uri="{FF2B5EF4-FFF2-40B4-BE49-F238E27FC236}">
+                <a16:creationId xmlns:a16="http://schemas.microsoft.com/office/drawing/2014/main" xmlns="" id="{6A60F032-B172-43E0-B147-16329887DE8F}"/>
+              </a:ext>
+            </a:extLst>
+          </p:cNvPr>
+          <p:cNvSpPr/>
+          <p:nvPr/>
+        </p:nvSpPr>
+        <p:spPr>
+          <a:xfrm>
+            <a:off x="7620874" y="2196693"/>
+            <a:ext cx="4470512" cy="307777"/>
+          </a:xfrm>
+          <a:prstGeom prst="rect">
+            <a:avLst/>
+          </a:prstGeom>
+        </p:spPr>
+        <p:txBody>
+          <a:bodyPr wrap="square">
+            <a:spAutoFit/>
+          </a:bodyPr>
+          <a:lstStyle/>
+          <a:p>
+            <a:pPr marL="285750" indent="-285750">
+              <a:buFontTx/>
+              <a:buChar char="-"/>
+            </a:pPr>
+            <a:r>
+              <a:rPr lang="ko-KR" altLang="en-US" sz="1400" dirty="0" smtClean="0"/>
+              <a:t>내용</a:t>
+            </a:r>
+            <a:endParaRPr lang="ko-KR" altLang="en-US" sz="1400" dirty="0"/>
+          </a:p>
+        </p:txBody>
+      </p:sp>
+    </p:spTree>
+    <p:extLst>
+      <p:ext uri="{BB962C8B-B14F-4D97-AF65-F5344CB8AC3E}">
+        <p14:creationId xmlns:p14="http://schemas.microsoft.com/office/powerpoint/2010/main" val="1245162315"/>
+      </p:ext>
+    </p:extLst>
+  </p:cSld>
+  <p:clrMapOvr>
+    <a:masterClrMapping/>
+  </p:clrMapOvr>
+</p:sld>
+</file>
+
+<file path=ppt/slides/slide8.xml><?xml version="1.0" encoding="utf-8"?>
+<p:sld xmlns:a="http://schemas.openxmlformats.org/drawingml/2006/main" xmlns:r="http://schemas.openxmlformats.org/officeDocument/2006/relationships" xmlns:p="http://schemas.openxmlformats.org/presentationml/2006/main">
+  <p:cSld>
+    <p:spTree>
+      <p:nvGrpSpPr>
+        <p:cNvPr id="1" name=""/>
+        <p:cNvGrpSpPr/>
+        <p:nvPr/>
+      </p:nvGrpSpPr>
+      <p:grpSpPr>
+        <a:xfrm>
+          <a:off x="0" y="0"/>
+          <a:ext cx="0" cy="0"/>
+          <a:chOff x="0" y="0"/>
+          <a:chExt cx="0" cy="0"/>
+        </a:xfrm>
+      </p:grpSpPr>
+      <p:sp>
+        <p:nvSpPr>
+          <p:cNvPr id="2" name="제목 1">
+            <a:extLst>
+              <a:ext uri="{FF2B5EF4-FFF2-40B4-BE49-F238E27FC236}">
+                <a16:creationId xmlns:a16="http://schemas.microsoft.com/office/drawing/2014/main" xmlns="" id="{2EC833C6-FAC3-442B-803D-3FB02DF07980}"/>
+              </a:ext>
+            </a:extLst>
+          </p:cNvPr>
+          <p:cNvSpPr>
+            <a:spLocks noGrp="1"/>
+          </p:cNvSpPr>
+          <p:nvPr>
+            <p:ph type="title"/>
+          </p:nvPr>
+        </p:nvSpPr>
+        <p:spPr>
+          <a:xfrm>
+            <a:off x="677334" y="609600"/>
+            <a:ext cx="8596668" cy="517864"/>
+          </a:xfrm>
+        </p:spPr>
+        <p:txBody>
+          <a:bodyPr>
+            <a:normAutofit fontScale="90000"/>
+          </a:bodyPr>
+          <a:lstStyle/>
+          <a:p>
+            <a:r>
+              <a:rPr lang="en-US" altLang="ko-KR" dirty="0"/>
+              <a:t>3</a:t>
+            </a:r>
+            <a:r>
+              <a:rPr lang="en-US" altLang="ko-KR" dirty="0"/>
+              <a:t>. Traversing Problem</a:t>
+            </a:r>
+            <a:endParaRPr lang="en-US" altLang="ko-KR" dirty="0"/>
+          </a:p>
+        </p:txBody>
+      </p:sp>
+      <p:sp>
+        <p:nvSpPr>
+          <p:cNvPr id="4" name="제목 1">
+            <a:extLst>
+              <a:ext uri="{FF2B5EF4-FFF2-40B4-BE49-F238E27FC236}">
+                <a16:creationId xmlns:a16="http://schemas.microsoft.com/office/drawing/2014/main" xmlns="" id="{824331F3-9831-4A24-AC95-4771B0BCE333}"/>
+              </a:ext>
+            </a:extLst>
+          </p:cNvPr>
+          <p:cNvSpPr txBox="1">
+            <a:spLocks/>
+          </p:cNvSpPr>
+          <p:nvPr/>
+        </p:nvSpPr>
+        <p:spPr>
+          <a:xfrm>
+            <a:off x="1307647" y="1180730"/>
+            <a:ext cx="8022783" cy="436518"/>
+          </a:xfrm>
+          <a:prstGeom prst="rect">
+            <a:avLst/>
+          </a:prstGeom>
+        </p:spPr>
+        <p:txBody>
+          <a:bodyPr vert="horz" lIns="91440" tIns="45720" rIns="91440" bIns="45720" rtlCol="0" anchor="t">
+            <a:normAutofit lnSpcReduction="10000"/>
+          </a:bodyPr>
+          <a:lstStyle>
+            <a:lvl1pPr algn="l" defTabSz="457200" rtl="0" eaLnBrk="1" latinLnBrk="1" hangingPunct="1">
+              <a:spcBef>
+                <a:spcPct val="0"/>
+              </a:spcBef>
+              <a:buNone/>
+              <a:defRPr sz="3600" kern="1200">
+                <a:solidFill>
+                  <a:schemeClr val="accent1"/>
+                </a:solidFill>
+                <a:latin typeface="+mj-lt"/>
+                <a:ea typeface="+mj-ea"/>
+                <a:cs typeface="+mj-cs"/>
+              </a:defRPr>
+            </a:lvl1pPr>
+            <a:lvl2pPr eaLnBrk="1" latinLnBrk="1" hangingPunct="1">
+              <a:defRPr>
+                <a:solidFill>
+                  <a:schemeClr val="tx2"/>
+                </a:solidFill>
+              </a:defRPr>
+            </a:lvl2pPr>
+            <a:lvl3pPr eaLnBrk="1" latinLnBrk="1" hangingPunct="1">
+              <a:defRPr>
+                <a:solidFill>
+                  <a:schemeClr val="tx2"/>
+                </a:solidFill>
+              </a:defRPr>
+            </a:lvl3pPr>
+            <a:lvl4pPr eaLnBrk="1" latinLnBrk="1" hangingPunct="1">
+              <a:defRPr>
+                <a:solidFill>
+                  <a:schemeClr val="tx2"/>
+                </a:solidFill>
+              </a:defRPr>
+            </a:lvl4pPr>
+            <a:lvl5pPr eaLnBrk="1" latinLnBrk="1" hangingPunct="1">
+              <a:defRPr>
+                <a:solidFill>
+                  <a:schemeClr val="tx2"/>
+                </a:solidFill>
+              </a:defRPr>
+            </a:lvl5pPr>
+            <a:lvl6pPr eaLnBrk="1" latinLnBrk="1" hangingPunct="1">
+              <a:defRPr>
+                <a:solidFill>
+                  <a:schemeClr val="tx2"/>
+                </a:solidFill>
+              </a:defRPr>
+            </a:lvl6pPr>
+            <a:lvl7pPr eaLnBrk="1" latinLnBrk="1" hangingPunct="1">
+              <a:defRPr>
+                <a:solidFill>
+                  <a:schemeClr val="tx2"/>
+                </a:solidFill>
+              </a:defRPr>
+            </a:lvl7pPr>
+            <a:lvl8pPr eaLnBrk="1" latinLnBrk="1" hangingPunct="1">
+              <a:defRPr>
+                <a:solidFill>
+                  <a:schemeClr val="tx2"/>
+                </a:solidFill>
+              </a:defRPr>
+            </a:lvl8pPr>
+            <a:lvl9pPr eaLnBrk="1" latinLnBrk="1" hangingPunct="1">
+              <a:defRPr>
+                <a:solidFill>
+                  <a:schemeClr val="tx2"/>
+                </a:solidFill>
+              </a:defRPr>
+            </a:lvl9pPr>
+          </a:lstStyle>
+          <a:p>
+            <a:r>
+              <a:rPr lang="en-US" altLang="ko-KR" sz="2400" dirty="0" err="1" smtClean="0"/>
+              <a:t>T</a:t>
+            </a:r>
+            <a:r>
+              <a:rPr lang="en-US" altLang="ko-KR" sz="2400" dirty="0" err="1" smtClean="0"/>
+              <a:t>sdafasdf</a:t>
+            </a:r>
+            <a:endParaRPr lang="en-US" altLang="ko-KR" sz="2400" dirty="0"/>
+          </a:p>
+        </p:txBody>
+      </p:sp>
+      <p:sp>
+        <p:nvSpPr>
+          <p:cNvPr id="6" name="직사각형 5">
+            <a:extLst>
+              <a:ext uri="{FF2B5EF4-FFF2-40B4-BE49-F238E27FC236}">
+                <a16:creationId xmlns:a16="http://schemas.microsoft.com/office/drawing/2014/main" xmlns="" id="{6A60F032-B172-43E0-B147-16329887DE8F}"/>
+              </a:ext>
+            </a:extLst>
+          </p:cNvPr>
+          <p:cNvSpPr/>
+          <p:nvPr/>
+        </p:nvSpPr>
+        <p:spPr>
+          <a:xfrm>
+            <a:off x="7620874" y="2196693"/>
+            <a:ext cx="4470512" cy="307777"/>
+          </a:xfrm>
+          <a:prstGeom prst="rect">
+            <a:avLst/>
+          </a:prstGeom>
+        </p:spPr>
+        <p:txBody>
+          <a:bodyPr wrap="square">
+            <a:spAutoFit/>
+          </a:bodyPr>
+          <a:lstStyle/>
+          <a:p>
+            <a:pPr marL="285750" indent="-285750">
+              <a:buFontTx/>
+              <a:buChar char="-"/>
+            </a:pPr>
+            <a:r>
+              <a:rPr lang="ko-KR" altLang="en-US" sz="1400" dirty="0" smtClean="0"/>
+              <a:t>내용</a:t>
+            </a:r>
+            <a:endParaRPr lang="ko-KR" altLang="en-US" sz="1400" dirty="0"/>
+          </a:p>
+        </p:txBody>
+      </p:sp>
+    </p:spTree>
+    <p:extLst>
+      <p:ext uri="{BB962C8B-B14F-4D97-AF65-F5344CB8AC3E}">
+        <p14:creationId xmlns:p14="http://schemas.microsoft.com/office/powerpoint/2010/main" val="358409929"/>
+      </p:ext>
+    </p:extLst>
+  </p:cSld>
+  <p:clrMapOvr>
+    <a:masterClrMapping/>
+  </p:clrMapOvr>
+</p:sld>
+</file>
+
+<file path=ppt/slides/slide9.xml><?xml version="1.0" encoding="utf-8"?>
+<p:sld xmlns:a="http://schemas.openxmlformats.org/drawingml/2006/main" xmlns:r="http://schemas.openxmlformats.org/officeDocument/2006/relationships" xmlns:p="http://schemas.openxmlformats.org/presentationml/2006/main">
+  <p:cSld>
+    <p:spTree>
+      <p:nvGrpSpPr>
+        <p:cNvPr id="1" name=""/>
+        <p:cNvGrpSpPr/>
+        <p:nvPr/>
+      </p:nvGrpSpPr>
+      <p:grpSpPr>
+        <a:xfrm>
+          <a:off x="0" y="0"/>
+          <a:ext cx="0" cy="0"/>
+          <a:chOff x="0" y="0"/>
+          <a:chExt cx="0" cy="0"/>
+        </a:xfrm>
+      </p:grpSpPr>
+      <p:sp>
+        <p:nvSpPr>
+          <p:cNvPr id="2" name="제목 1">
+            <a:extLst>
+              <a:ext uri="{FF2B5EF4-FFF2-40B4-BE49-F238E27FC236}">
+                <a16:creationId xmlns:a16="http://schemas.microsoft.com/office/drawing/2014/main" xmlns="" id="{2EC833C6-FAC3-442B-803D-3FB02DF07980}"/>
+              </a:ext>
+            </a:extLst>
+          </p:cNvPr>
+          <p:cNvSpPr>
+            <a:spLocks noGrp="1"/>
+          </p:cNvSpPr>
+          <p:nvPr>
+            <p:ph type="title"/>
+          </p:nvPr>
+        </p:nvSpPr>
+        <p:spPr>
+          <a:xfrm>
+            <a:off x="677334" y="609600"/>
+            <a:ext cx="9365024" cy="517864"/>
+          </a:xfrm>
+        </p:spPr>
+        <p:txBody>
+          <a:bodyPr>
+            <a:normAutofit fontScale="90000"/>
+          </a:bodyPr>
+          <a:lstStyle/>
+          <a:p>
+            <a:r>
+              <a:rPr lang="en-US" altLang="ko-KR" dirty="0" smtClean="0"/>
+              <a:t>4</a:t>
+            </a:r>
+            <a:r>
+              <a:rPr lang="en-US" altLang="ko-KR" dirty="0"/>
+              <a:t>. Shortest Path Problem – </a:t>
+            </a:r>
+            <a:r>
+              <a:rPr lang="en-US" altLang="ko-KR" dirty="0" err="1"/>
+              <a:t>Dijikstra’s</a:t>
+            </a:r>
+            <a:r>
+              <a:rPr lang="en-US" altLang="ko-KR" dirty="0"/>
+              <a:t> Algorithm 1</a:t>
+            </a:r>
+            <a:endParaRPr lang="ko-KR" altLang="en-US" dirty="0"/>
+          </a:p>
+        </p:txBody>
+      </p:sp>
+      <p:sp>
+        <p:nvSpPr>
+          <p:cNvPr id="4" name="제목 1">
+            <a:extLst>
+              <a:ext uri="{FF2B5EF4-FFF2-40B4-BE49-F238E27FC236}">
+                <a16:creationId xmlns:a16="http://schemas.microsoft.com/office/drawing/2014/main" xmlns="" id="{824331F3-9831-4A24-AC95-4771B0BCE333}"/>
+              </a:ext>
+            </a:extLst>
+          </p:cNvPr>
+          <p:cNvSpPr txBox="1">
+            <a:spLocks/>
+          </p:cNvSpPr>
+          <p:nvPr/>
+        </p:nvSpPr>
+        <p:spPr>
+          <a:xfrm>
+            <a:off x="1307647" y="1180730"/>
+            <a:ext cx="8022783" cy="436518"/>
+          </a:xfrm>
+          <a:prstGeom prst="rect">
+            <a:avLst/>
+          </a:prstGeom>
+        </p:spPr>
+        <p:txBody>
+          <a:bodyPr vert="horz" lIns="91440" tIns="45720" rIns="91440" bIns="45720" rtlCol="0" anchor="t">
+            <a:normAutofit lnSpcReduction="10000"/>
+          </a:bodyPr>
+          <a:lstStyle>
+            <a:lvl1pPr algn="l" defTabSz="457200" rtl="0" eaLnBrk="1" latinLnBrk="1" hangingPunct="1">
+              <a:spcBef>
+                <a:spcPct val="0"/>
+              </a:spcBef>
+              <a:buNone/>
+              <a:defRPr sz="3600" kern="1200">
+                <a:solidFill>
+                  <a:schemeClr val="accent1"/>
+                </a:solidFill>
+                <a:latin typeface="+mj-lt"/>
+                <a:ea typeface="+mj-ea"/>
+                <a:cs typeface="+mj-cs"/>
+              </a:defRPr>
+            </a:lvl1pPr>
+            <a:lvl2pPr eaLnBrk="1" latinLnBrk="1" hangingPunct="1">
+              <a:defRPr>
+                <a:solidFill>
+                  <a:schemeClr val="tx2"/>
+                </a:solidFill>
+              </a:defRPr>
+            </a:lvl2pPr>
+            <a:lvl3pPr eaLnBrk="1" latinLnBrk="1" hangingPunct="1">
+              <a:defRPr>
+                <a:solidFill>
+                  <a:schemeClr val="tx2"/>
+                </a:solidFill>
+              </a:defRPr>
+            </a:lvl3pPr>
+            <a:lvl4pPr eaLnBrk="1" latinLnBrk="1" hangingPunct="1">
+              <a:defRPr>
+                <a:solidFill>
+                  <a:schemeClr val="tx2"/>
+                </a:solidFill>
+              </a:defRPr>
+            </a:lvl4pPr>
+            <a:lvl5pPr eaLnBrk="1" latinLnBrk="1" hangingPunct="1">
+              <a:defRPr>
+                <a:solidFill>
+                  <a:schemeClr val="tx2"/>
+                </a:solidFill>
+              </a:defRPr>
+            </a:lvl5pPr>
+            <a:lvl6pPr eaLnBrk="1" latinLnBrk="1" hangingPunct="1">
+              <a:defRPr>
+                <a:solidFill>
+                  <a:schemeClr val="tx2"/>
+                </a:solidFill>
+              </a:defRPr>
+            </a:lvl6pPr>
+            <a:lvl7pPr eaLnBrk="1" latinLnBrk="1" hangingPunct="1">
+              <a:defRPr>
+                <a:solidFill>
+                  <a:schemeClr val="tx2"/>
+                </a:solidFill>
+              </a:defRPr>
+            </a:lvl7pPr>
+            <a:lvl8pPr eaLnBrk="1" latinLnBrk="1" hangingPunct="1">
+              <a:defRPr>
+                <a:solidFill>
+                  <a:schemeClr val="tx2"/>
+                </a:solidFill>
+              </a:defRPr>
+            </a:lvl8pPr>
+            <a:lvl9pPr eaLnBrk="1" latinLnBrk="1" hangingPunct="1">
+              <a:defRPr>
+                <a:solidFill>
+                  <a:schemeClr val="tx2"/>
+                </a:solidFill>
+              </a:defRPr>
+            </a:lvl9pPr>
+          </a:lstStyle>
+          <a:p>
+            <a:r>
+              <a:rPr lang="en-US" altLang="ko-KR" sz="2400" dirty="0" err="1" smtClean="0"/>
+              <a:t>T</a:t>
+            </a:r>
+            <a:r>
+              <a:rPr lang="en-US" altLang="ko-KR" sz="2400" dirty="0" err="1" smtClean="0"/>
+              <a:t>sdafasdf</a:t>
+            </a:r>
+            <a:endParaRPr lang="en-US" altLang="ko-KR" sz="2400" dirty="0"/>
+          </a:p>
+        </p:txBody>
+      </p:sp>
+      <p:sp>
+        <p:nvSpPr>
+          <p:cNvPr id="6" name="직사각형 5">
+            <a:extLst>
+              <a:ext uri="{FF2B5EF4-FFF2-40B4-BE49-F238E27FC236}">
+                <a16:creationId xmlns:a16="http://schemas.microsoft.com/office/drawing/2014/main" xmlns="" id="{6A60F032-B172-43E0-B147-16329887DE8F}"/>
+              </a:ext>
+            </a:extLst>
+          </p:cNvPr>
+          <p:cNvSpPr/>
+          <p:nvPr/>
+        </p:nvSpPr>
+        <p:spPr>
+          <a:xfrm>
+            <a:off x="7620874" y="2196693"/>
+            <a:ext cx="4470512" cy="307777"/>
+          </a:xfrm>
+          <a:prstGeom prst="rect">
+            <a:avLst/>
+          </a:prstGeom>
+        </p:spPr>
+        <p:txBody>
+          <a:bodyPr wrap="square">
+            <a:spAutoFit/>
+          </a:bodyPr>
+          <a:lstStyle/>
+          <a:p>
+            <a:pPr marL="285750" indent="-285750">
+              <a:buFontTx/>
+              <a:buChar char="-"/>
+            </a:pPr>
+            <a:r>
+              <a:rPr lang="ko-KR" altLang="en-US" sz="1400" dirty="0" smtClean="0"/>
+              <a:t>내용</a:t>
+            </a:r>
+            <a:endParaRPr lang="ko-KR" altLang="en-US" sz="1400" dirty="0"/>
+          </a:p>
+        </p:txBody>
+      </p:sp>
+    </p:spTree>
+    <p:extLst>
+      <p:ext uri="{BB962C8B-B14F-4D97-AF65-F5344CB8AC3E}">
+        <p14:creationId xmlns:p14="http://schemas.microsoft.com/office/powerpoint/2010/main" val="1895761550"/>
       </p:ext>
     </p:extLst>
   </p:cSld>
